--- a/PhoneUI.pptx
+++ b/PhoneUI.pptx
@@ -5,7 +5,7 @@
     <p:sldMasterId id="2147483672" r:id="rId1"/>
   </p:sldMasterIdLst>
   <p:notesMasterIdLst>
-    <p:notesMasterId r:id="rId22"/>
+    <p:notesMasterId r:id="rId23"/>
   </p:notesMasterIdLst>
   <p:sldIdLst>
     <p:sldId id="273" r:id="rId2"/>
@@ -19,15 +19,16 @@
     <p:sldId id="271" r:id="rId10"/>
     <p:sldId id="272" r:id="rId11"/>
     <p:sldId id="278" r:id="rId12"/>
-    <p:sldId id="256" r:id="rId13"/>
-    <p:sldId id="263" r:id="rId14"/>
-    <p:sldId id="265" r:id="rId15"/>
-    <p:sldId id="258" r:id="rId16"/>
-    <p:sldId id="259" r:id="rId17"/>
-    <p:sldId id="260" r:id="rId18"/>
-    <p:sldId id="261" r:id="rId19"/>
-    <p:sldId id="264" r:id="rId20"/>
-    <p:sldId id="266" r:id="rId21"/>
+    <p:sldId id="279" r:id="rId13"/>
+    <p:sldId id="256" r:id="rId14"/>
+    <p:sldId id="263" r:id="rId15"/>
+    <p:sldId id="265" r:id="rId16"/>
+    <p:sldId id="258" r:id="rId17"/>
+    <p:sldId id="259" r:id="rId18"/>
+    <p:sldId id="260" r:id="rId19"/>
+    <p:sldId id="261" r:id="rId20"/>
+    <p:sldId id="264" r:id="rId21"/>
+    <p:sldId id="266" r:id="rId22"/>
   </p:sldIdLst>
   <p:sldSz cx="10287000" cy="22860000"/>
   <p:notesSz cx="6858000" cy="9144000"/>
@@ -146,6 +147,7 @@
             <p14:sldId id="271"/>
             <p14:sldId id="272"/>
             <p14:sldId id="278"/>
+            <p14:sldId id="279"/>
           </p14:sldIdLst>
         </p14:section>
         <p14:section name="原版設計" id="{EA917504-E858-4CE9-AADA-29AFB5768DD4}">
@@ -251,6 +253,87 @@
 </file>
 
 <file path=ppt/charts/chart10.xml><?xml version="1.0" encoding="utf-8"?>
+<c:chartSpace xmlns:c="http://schemas.openxmlformats.org/drawingml/2006/chart" xmlns:a="http://schemas.openxmlformats.org/drawingml/2006/main" xmlns:r="http://schemas.openxmlformats.org/officeDocument/2006/relationships" xmlns:c16r2="http://schemas.microsoft.com/office/drawing/2015/06/chart">
+  <c:date1904 val="0"/>
+  <c:lang val="zh-TW"/>
+  <c:roundedCorners val="0"/>
+  <mc:AlternateContent xmlns:mc="http://schemas.openxmlformats.org/markup-compatibility/2006">
+    <mc:Choice xmlns:c14="http://schemas.microsoft.com/office/drawing/2007/8/2/chart" Requires="c14">
+      <c14:style val="102"/>
+    </mc:Choice>
+    <mc:Fallback>
+      <c:style val="2"/>
+    </mc:Fallback>
+  </mc:AlternateContent>
+  <c:chart>
+    <c:autoTitleDeleted val="1"/>
+    <c:plotArea>
+      <c:layout/>
+      <c:pieChart>
+        <c:varyColors val="1"/>
+        <c:dLbls>
+          <c:showLegendKey val="0"/>
+          <c:showVal val="0"/>
+          <c:showCatName val="1"/>
+          <c:showSerName val="0"/>
+          <c:showPercent val="1"/>
+          <c:showBubbleSize val="0"/>
+          <c:showLeaderLines val="0"/>
+        </c:dLbls>
+        <c:firstSliceAng val="0"/>
+      </c:pieChart>
+      <c:spPr>
+        <a:noFill/>
+        <a:ln>
+          <a:noFill/>
+        </a:ln>
+        <a:effectLst/>
+      </c:spPr>
+    </c:plotArea>
+    <c:plotVisOnly val="1"/>
+    <c:dispBlanksAs val="gap"/>
+    <c:showDLblsOverMax val="0"/>
+  </c:chart>
+  <c:spPr>
+    <a:noFill/>
+    <a:ln>
+      <a:noFill/>
+    </a:ln>
+    <a:effectLst/>
+  </c:spPr>
+  <c:txPr>
+    <a:bodyPr/>
+    <a:lstStyle/>
+    <a:p>
+      <a:pPr>
+        <a:defRPr sz="4000" b="0" cap="none" spc="0">
+          <a:ln w="0">
+            <a:solidFill>
+              <a:srgbClr val="6F5849"/>
+            </a:solidFill>
+          </a:ln>
+          <a:solidFill>
+            <a:srgbClr val="6F5849"/>
+          </a:solidFill>
+          <a:effectLst>
+            <a:outerShdw blurRad="38100" dist="19050" dir="2700000" algn="tl" rotWithShape="0">
+              <a:schemeClr val="dk1">
+                <a:alpha val="40000"/>
+              </a:schemeClr>
+            </a:outerShdw>
+          </a:effectLst>
+        </a:defRPr>
+      </a:pPr>
+      <a:endParaRPr lang="zh-TW"/>
+    </a:p>
+  </c:txPr>
+  <c:externalData r:id="rId3">
+    <c:autoUpdate val="0"/>
+  </c:externalData>
+</c:chartSpace>
+</file>
+
+<file path=ppt/charts/chart11.xml><?xml version="1.0" encoding="utf-8"?>
 <c:chartSpace xmlns:c="http://schemas.openxmlformats.org/drawingml/2006/chart" xmlns:a="http://schemas.openxmlformats.org/drawingml/2006/main" xmlns:r="http://schemas.openxmlformats.org/officeDocument/2006/relationships" xmlns:c16r2="http://schemas.microsoft.com/office/drawing/2015/06/chart">
   <c:date1904 val="0"/>
   <c:lang val="zh-TW"/>
@@ -446,6 +529,71 @@
 </file>
 
 <file path=ppt/charts/chart4.xml><?xml version="1.0" encoding="utf-8"?>
+<c:chartSpace xmlns:c="http://schemas.openxmlformats.org/drawingml/2006/chart" xmlns:a="http://schemas.openxmlformats.org/drawingml/2006/main" xmlns:r="http://schemas.openxmlformats.org/officeDocument/2006/relationships" xmlns:c16r2="http://schemas.microsoft.com/office/drawing/2015/06/chart">
+  <c:date1904 val="0"/>
+  <c:lang val="zh-TW"/>
+  <c:roundedCorners val="0"/>
+  <mc:AlternateContent xmlns:mc="http://schemas.openxmlformats.org/markup-compatibility/2006">
+    <mc:Choice xmlns:c14="http://schemas.microsoft.com/office/drawing/2007/8/2/chart" Requires="c14">
+      <c14:style val="102"/>
+    </mc:Choice>
+    <mc:Fallback>
+      <c:style val="2"/>
+    </mc:Fallback>
+  </mc:AlternateContent>
+  <c:chart>
+    <c:autoTitleDeleted val="1"/>
+    <c:plotArea>
+      <c:layout/>
+      <c:pieChart>
+        <c:varyColors val="1"/>
+        <c:dLbls>
+          <c:showLegendKey val="0"/>
+          <c:showVal val="0"/>
+          <c:showCatName val="1"/>
+          <c:showSerName val="0"/>
+          <c:showPercent val="1"/>
+          <c:showBubbleSize val="0"/>
+          <c:showLeaderLines val="0"/>
+        </c:dLbls>
+        <c:firstSliceAng val="0"/>
+      </c:pieChart>
+      <c:spPr>
+        <a:noFill/>
+        <a:ln>
+          <a:noFill/>
+        </a:ln>
+        <a:effectLst/>
+      </c:spPr>
+    </c:plotArea>
+    <c:plotVisOnly val="1"/>
+    <c:dispBlanksAs val="gap"/>
+    <c:showDLblsOverMax val="0"/>
+  </c:chart>
+  <c:spPr>
+    <a:noFill/>
+    <a:ln>
+      <a:noFill/>
+    </a:ln>
+    <a:effectLst/>
+  </c:spPr>
+  <c:txPr>
+    <a:bodyPr/>
+    <a:lstStyle/>
+    <a:p>
+      <a:pPr>
+        <a:defRPr sz="3600"/>
+      </a:pPr>
+      <a:endParaRPr lang="zh-TW"/>
+    </a:p>
+  </c:txPr>
+  <c:externalData r:id="rId3">
+    <c:autoUpdate val="0"/>
+  </c:externalData>
+</c:chartSpace>
+</file>
+
+<file path=ppt/charts/chart5.xml><?xml version="1.0" encoding="utf-8"?>
 <c:chartSpace xmlns:c="http://schemas.openxmlformats.org/drawingml/2006/chart" xmlns:a="http://schemas.openxmlformats.org/drawingml/2006/main" xmlns:r="http://schemas.openxmlformats.org/officeDocument/2006/relationships" xmlns:c16r2="http://schemas.microsoft.com/office/drawing/2015/06/chart">
   <c:date1904 val="0"/>
   <c:lang val="zh-TW"/>
@@ -669,9 +817,7 @@
               </c:spPr>
             </c:leaderLines>
             <c:extLst>
-              <c:ext xmlns:c15="http://schemas.microsoft.com/office/drawing/2012/chart" uri="{CE6537A1-D6FC-4f65-9D91-7224C49458BB}">
-                <c15:layout/>
-              </c:ext>
+              <c:ext xmlns:c15="http://schemas.microsoft.com/office/drawing/2012/chart" uri="{CE6537A1-D6FC-4f65-9D91-7224C49458BB}"/>
             </c:extLst>
           </c:dLbls>
           <c:cat>
@@ -773,71 +919,6 @@
             </a:outerShdw>
           </a:effectLst>
         </a:defRPr>
-      </a:pPr>
-      <a:endParaRPr lang="zh-TW"/>
-    </a:p>
-  </c:txPr>
-  <c:externalData r:id="rId3">
-    <c:autoUpdate val="0"/>
-  </c:externalData>
-</c:chartSpace>
-</file>
-
-<file path=ppt/charts/chart5.xml><?xml version="1.0" encoding="utf-8"?>
-<c:chartSpace xmlns:c="http://schemas.openxmlformats.org/drawingml/2006/chart" xmlns:a="http://schemas.openxmlformats.org/drawingml/2006/main" xmlns:r="http://schemas.openxmlformats.org/officeDocument/2006/relationships" xmlns:c16r2="http://schemas.microsoft.com/office/drawing/2015/06/chart">
-  <c:date1904 val="0"/>
-  <c:lang val="zh-TW"/>
-  <c:roundedCorners val="0"/>
-  <mc:AlternateContent xmlns:mc="http://schemas.openxmlformats.org/markup-compatibility/2006">
-    <mc:Choice xmlns:c14="http://schemas.microsoft.com/office/drawing/2007/8/2/chart" Requires="c14">
-      <c14:style val="102"/>
-    </mc:Choice>
-    <mc:Fallback>
-      <c:style val="2"/>
-    </mc:Fallback>
-  </mc:AlternateContent>
-  <c:chart>
-    <c:autoTitleDeleted val="1"/>
-    <c:plotArea>
-      <c:layout/>
-      <c:pieChart>
-        <c:varyColors val="1"/>
-        <c:dLbls>
-          <c:showLegendKey val="0"/>
-          <c:showVal val="0"/>
-          <c:showCatName val="1"/>
-          <c:showSerName val="0"/>
-          <c:showPercent val="1"/>
-          <c:showBubbleSize val="0"/>
-          <c:showLeaderLines val="0"/>
-        </c:dLbls>
-        <c:firstSliceAng val="0"/>
-      </c:pieChart>
-      <c:spPr>
-        <a:noFill/>
-        <a:ln>
-          <a:noFill/>
-        </a:ln>
-        <a:effectLst/>
-      </c:spPr>
-    </c:plotArea>
-    <c:plotVisOnly val="1"/>
-    <c:dispBlanksAs val="gap"/>
-    <c:showDLblsOverMax val="0"/>
-  </c:chart>
-  <c:spPr>
-    <a:noFill/>
-    <a:ln>
-      <a:noFill/>
-    </a:ln>
-    <a:effectLst/>
-  </c:spPr>
-  <c:txPr>
-    <a:bodyPr/>
-    <a:lstStyle/>
-    <a:p>
-      <a:pPr>
-        <a:defRPr sz="3600"/>
       </a:pPr>
       <a:endParaRPr lang="zh-TW"/>
     </a:p>
@@ -1097,23 +1178,7 @@
     <a:lstStyle/>
     <a:p>
       <a:pPr>
-        <a:defRPr sz="4000" b="0" cap="none" spc="0">
-          <a:ln w="0">
-            <a:solidFill>
-              <a:srgbClr val="6F5849"/>
-            </a:solidFill>
-          </a:ln>
-          <a:solidFill>
-            <a:srgbClr val="6F5849"/>
-          </a:solidFill>
-          <a:effectLst>
-            <a:outerShdw blurRad="38100" dist="19050" dir="2700000" algn="tl" rotWithShape="0">
-              <a:schemeClr val="dk1">
-                <a:alpha val="40000"/>
-              </a:schemeClr>
-            </a:outerShdw>
-          </a:effectLst>
-        </a:defRPr>
+        <a:defRPr sz="3600"/>
       </a:pPr>
       <a:endParaRPr lang="zh-TW"/>
     </a:p>
@@ -1165,6 +1230,43 @@
 </file>
 
 <file path=ppt/charts/colors10.xml><?xml version="1.0" encoding="utf-8"?>
+<cs:colorStyle xmlns:cs="http://schemas.microsoft.com/office/drawing/2012/chartStyle" xmlns:a="http://schemas.openxmlformats.org/drawingml/2006/main" meth="cycle" id="12">
+  <a:schemeClr val="accent2"/>
+  <a:schemeClr val="accent4"/>
+  <a:schemeClr val="accent6"/>
+  <cs:variation/>
+  <cs:variation>
+    <a:lumMod val="60000"/>
+  </cs:variation>
+  <cs:variation>
+    <a:lumMod val="80000"/>
+    <a:lumOff val="20000"/>
+  </cs:variation>
+  <cs:variation>
+    <a:lumMod val="80000"/>
+  </cs:variation>
+  <cs:variation>
+    <a:lumMod val="60000"/>
+    <a:lumOff val="40000"/>
+  </cs:variation>
+  <cs:variation>
+    <a:lumMod val="50000"/>
+  </cs:variation>
+  <cs:variation>
+    <a:lumMod val="70000"/>
+    <a:lumOff val="30000"/>
+  </cs:variation>
+  <cs:variation>
+    <a:lumMod val="70000"/>
+  </cs:variation>
+  <cs:variation>
+    <a:lumMod val="50000"/>
+    <a:lumOff val="50000"/>
+  </cs:variation>
+</cs:colorStyle>
+</file>
+
+<file path=ppt/charts/colors11.xml><?xml version="1.0" encoding="utf-8"?>
 <cs:colorStyle xmlns:cs="http://schemas.microsoft.com/office/drawing/2012/chartStyle" xmlns:a="http://schemas.openxmlformats.org/drawingml/2006/main" meth="cycle" id="10">
   <a:schemeClr val="accent1"/>
   <a:schemeClr val="accent2"/>
@@ -1285,9 +1387,12 @@
 </file>
 
 <file path=ppt/charts/colors4.xml><?xml version="1.0" encoding="utf-8"?>
-<cs:colorStyle xmlns:cs="http://schemas.microsoft.com/office/drawing/2012/chartStyle" xmlns:a="http://schemas.openxmlformats.org/drawingml/2006/main" meth="cycle" id="12">
+<cs:colorStyle xmlns:cs="http://schemas.microsoft.com/office/drawing/2012/chartStyle" xmlns:a="http://schemas.openxmlformats.org/drawingml/2006/main" meth="cycle" id="10">
+  <a:schemeClr val="accent1"/>
   <a:schemeClr val="accent2"/>
+  <a:schemeClr val="accent3"/>
   <a:schemeClr val="accent4"/>
+  <a:schemeClr val="accent5"/>
   <a:schemeClr val="accent6"/>
   <cs:variation/>
   <cs:variation>
@@ -1322,12 +1427,9 @@
 </file>
 
 <file path=ppt/charts/colors5.xml><?xml version="1.0" encoding="utf-8"?>
-<cs:colorStyle xmlns:cs="http://schemas.microsoft.com/office/drawing/2012/chartStyle" xmlns:a="http://schemas.openxmlformats.org/drawingml/2006/main" meth="cycle" id="10">
-  <a:schemeClr val="accent1"/>
+<cs:colorStyle xmlns:cs="http://schemas.microsoft.com/office/drawing/2012/chartStyle" xmlns:a="http://schemas.openxmlformats.org/drawingml/2006/main" meth="cycle" id="12">
   <a:schemeClr val="accent2"/>
-  <a:schemeClr val="accent3"/>
   <a:schemeClr val="accent4"/>
-  <a:schemeClr val="accent5"/>
   <a:schemeClr val="accent6"/>
   <cs:variation/>
   <cs:variation>
@@ -1482,9 +1584,12 @@
 </file>
 
 <file path=ppt/charts/colors9.xml><?xml version="1.0" encoding="utf-8"?>
-<cs:colorStyle xmlns:cs="http://schemas.microsoft.com/office/drawing/2012/chartStyle" xmlns:a="http://schemas.openxmlformats.org/drawingml/2006/main" meth="cycle" id="12">
+<cs:colorStyle xmlns:cs="http://schemas.microsoft.com/office/drawing/2012/chartStyle" xmlns:a="http://schemas.openxmlformats.org/drawingml/2006/main" meth="cycle" id="10">
+  <a:schemeClr val="accent1"/>
   <a:schemeClr val="accent2"/>
+  <a:schemeClr val="accent3"/>
   <a:schemeClr val="accent4"/>
+  <a:schemeClr val="accent5"/>
   <a:schemeClr val="accent6"/>
   <cs:variation/>
   <cs:variation>
@@ -2038,1563 +2143,6 @@
 </file>
 
 <file path=ppt/charts/style10.xml><?xml version="1.0" encoding="utf-8"?>
-<cs:chartStyle xmlns:cs="http://schemas.microsoft.com/office/drawing/2012/chartStyle" xmlns:a="http://schemas.openxmlformats.org/drawingml/2006/main" id="251">
-  <cs:axisTitle>
-    <cs:lnRef idx="0"/>
-    <cs:fillRef idx="0"/>
-    <cs:effectRef idx="0"/>
-    <cs:fontRef idx="minor">
-      <a:schemeClr val="tx1">
-        <a:lumMod val="65000"/>
-        <a:lumOff val="35000"/>
-      </a:schemeClr>
-    </cs:fontRef>
-    <cs:defRPr sz="1330" kern="1200"/>
-  </cs:axisTitle>
-  <cs:categoryAxis>
-    <cs:lnRef idx="0"/>
-    <cs:fillRef idx="0"/>
-    <cs:effectRef idx="0"/>
-    <cs:fontRef idx="minor">
-      <a:schemeClr val="tx1">
-        <a:lumMod val="65000"/>
-        <a:lumOff val="35000"/>
-      </a:schemeClr>
-    </cs:fontRef>
-    <cs:spPr>
-      <a:ln w="9525" cap="flat" cmpd="sng" algn="ctr">
-        <a:solidFill>
-          <a:schemeClr val="tx1">
-            <a:lumMod val="15000"/>
-            <a:lumOff val="85000"/>
-          </a:schemeClr>
-        </a:solidFill>
-        <a:round/>
-      </a:ln>
-    </cs:spPr>
-    <cs:defRPr sz="1197" kern="1200"/>
-  </cs:categoryAxis>
-  <cs:chartArea mods="allowNoFillOverride allowNoLineOverride">
-    <cs:lnRef idx="0"/>
-    <cs:fillRef idx="0"/>
-    <cs:effectRef idx="0"/>
-    <cs:fontRef idx="minor">
-      <a:schemeClr val="tx1"/>
-    </cs:fontRef>
-    <cs:spPr>
-      <a:solidFill>
-        <a:schemeClr val="bg1"/>
-      </a:solidFill>
-      <a:ln w="9525" cap="flat" cmpd="sng" algn="ctr">
-        <a:solidFill>
-          <a:schemeClr val="tx1">
-            <a:lumMod val="15000"/>
-            <a:lumOff val="85000"/>
-          </a:schemeClr>
-        </a:solidFill>
-        <a:round/>
-      </a:ln>
-    </cs:spPr>
-    <cs:defRPr sz="1197" kern="1200"/>
-  </cs:chartArea>
-  <cs:dataLabel>
-    <cs:lnRef idx="0"/>
-    <cs:fillRef idx="0"/>
-    <cs:effectRef idx="0"/>
-    <cs:fontRef idx="minor">
-      <a:schemeClr val="tx1">
-        <a:lumMod val="75000"/>
-        <a:lumOff val="25000"/>
-      </a:schemeClr>
-    </cs:fontRef>
-    <cs:defRPr sz="1197" kern="1200"/>
-  </cs:dataLabel>
-  <cs:dataLabelCallout>
-    <cs:lnRef idx="0"/>
-    <cs:fillRef idx="0"/>
-    <cs:effectRef idx="0"/>
-    <cs:fontRef idx="minor">
-      <a:schemeClr val="dk1">
-        <a:lumMod val="65000"/>
-        <a:lumOff val="35000"/>
-      </a:schemeClr>
-    </cs:fontRef>
-    <cs:spPr>
-      <a:solidFill>
-        <a:schemeClr val="lt1"/>
-      </a:solidFill>
-      <a:ln>
-        <a:solidFill>
-          <a:schemeClr val="dk1">
-            <a:lumMod val="25000"/>
-            <a:lumOff val="75000"/>
-          </a:schemeClr>
-        </a:solidFill>
-      </a:ln>
-    </cs:spPr>
-    <cs:defRPr sz="1197" kern="1200"/>
-    <cs:bodyPr rot="0" spcFirstLastPara="1" vertOverflow="clip" horzOverflow="clip" vert="horz" wrap="square" lIns="36576" tIns="18288" rIns="36576" bIns="18288" anchor="ctr" anchorCtr="1">
-      <a:spAutoFit/>
-    </cs:bodyPr>
-  </cs:dataLabelCallout>
-  <cs:dataPoint>
-    <cs:lnRef idx="0"/>
-    <cs:fillRef idx="1">
-      <cs:styleClr val="auto"/>
-    </cs:fillRef>
-    <cs:effectRef idx="0"/>
-    <cs:fontRef idx="minor">
-      <a:schemeClr val="tx1"/>
-    </cs:fontRef>
-    <cs:spPr>
-      <a:ln w="19050">
-        <a:solidFill>
-          <a:schemeClr val="lt1"/>
-        </a:solidFill>
-      </a:ln>
-    </cs:spPr>
-  </cs:dataPoint>
-  <cs:dataPoint3D>
-    <cs:lnRef idx="0"/>
-    <cs:fillRef idx="1">
-      <cs:styleClr val="auto"/>
-    </cs:fillRef>
-    <cs:effectRef idx="0"/>
-    <cs:fontRef idx="minor">
-      <a:schemeClr val="tx1"/>
-    </cs:fontRef>
-    <cs:spPr>
-      <a:ln w="25400">
-        <a:solidFill>
-          <a:schemeClr val="lt1"/>
-        </a:solidFill>
-      </a:ln>
-    </cs:spPr>
-  </cs:dataPoint3D>
-  <cs:dataPointLine>
-    <cs:lnRef idx="0">
-      <cs:styleClr val="auto"/>
-    </cs:lnRef>
-    <cs:fillRef idx="0"/>
-    <cs:effectRef idx="0"/>
-    <cs:fontRef idx="minor">
-      <a:schemeClr val="tx1"/>
-    </cs:fontRef>
-    <cs:spPr>
-      <a:ln w="28575" cap="rnd">
-        <a:solidFill>
-          <a:schemeClr val="phClr"/>
-        </a:solidFill>
-        <a:round/>
-      </a:ln>
-    </cs:spPr>
-  </cs:dataPointLine>
-  <cs:dataPointMarker>
-    <cs:lnRef idx="0">
-      <cs:styleClr val="auto"/>
-    </cs:lnRef>
-    <cs:fillRef idx="1">
-      <cs:styleClr val="auto"/>
-    </cs:fillRef>
-    <cs:effectRef idx="0"/>
-    <cs:fontRef idx="minor">
-      <a:schemeClr val="tx1"/>
-    </cs:fontRef>
-    <cs:spPr>
-      <a:ln w="9525">
-        <a:solidFill>
-          <a:schemeClr val="phClr"/>
-        </a:solidFill>
-      </a:ln>
-    </cs:spPr>
-  </cs:dataPointMarker>
-  <cs:dataPointMarkerLayout symbol="circle" size="5"/>
-  <cs:dataPointWireframe>
-    <cs:lnRef idx="0">
-      <cs:styleClr val="auto"/>
-    </cs:lnRef>
-    <cs:fillRef idx="0"/>
-    <cs:effectRef idx="0"/>
-    <cs:fontRef idx="minor">
-      <a:schemeClr val="tx1"/>
-    </cs:fontRef>
-    <cs:spPr>
-      <a:ln w="9525" cap="rnd">
-        <a:solidFill>
-          <a:schemeClr val="phClr"/>
-        </a:solidFill>
-        <a:round/>
-      </a:ln>
-    </cs:spPr>
-  </cs:dataPointWireframe>
-  <cs:dataTable>
-    <cs:lnRef idx="0"/>
-    <cs:fillRef idx="0"/>
-    <cs:effectRef idx="0"/>
-    <cs:fontRef idx="minor">
-      <a:schemeClr val="tx1">
-        <a:lumMod val="65000"/>
-        <a:lumOff val="35000"/>
-      </a:schemeClr>
-    </cs:fontRef>
-    <cs:spPr>
-      <a:noFill/>
-      <a:ln w="9525" cap="flat" cmpd="sng" algn="ctr">
-        <a:solidFill>
-          <a:schemeClr val="tx1">
-            <a:lumMod val="15000"/>
-            <a:lumOff val="85000"/>
-          </a:schemeClr>
-        </a:solidFill>
-        <a:round/>
-      </a:ln>
-    </cs:spPr>
-    <cs:defRPr sz="1197" kern="1200"/>
-  </cs:dataTable>
-  <cs:downBar>
-    <cs:lnRef idx="0"/>
-    <cs:fillRef idx="0"/>
-    <cs:effectRef idx="0"/>
-    <cs:fontRef idx="minor">
-      <a:schemeClr val="tx1"/>
-    </cs:fontRef>
-    <cs:spPr>
-      <a:solidFill>
-        <a:schemeClr val="dk1">
-          <a:lumMod val="75000"/>
-          <a:lumOff val="25000"/>
-        </a:schemeClr>
-      </a:solidFill>
-      <a:ln w="9525" cap="flat" cmpd="sng" algn="ctr">
-        <a:solidFill>
-          <a:schemeClr val="tx1">
-            <a:lumMod val="65000"/>
-            <a:lumOff val="35000"/>
-          </a:schemeClr>
-        </a:solidFill>
-        <a:round/>
-      </a:ln>
-    </cs:spPr>
-  </cs:downBar>
-  <cs:dropLine>
-    <cs:lnRef idx="0"/>
-    <cs:fillRef idx="0"/>
-    <cs:effectRef idx="0"/>
-    <cs:fontRef idx="minor">
-      <a:schemeClr val="tx1"/>
-    </cs:fontRef>
-    <cs:spPr>
-      <a:ln w="9525" cap="flat" cmpd="sng" algn="ctr">
-        <a:solidFill>
-          <a:schemeClr val="tx1">
-            <a:lumMod val="35000"/>
-            <a:lumOff val="65000"/>
-          </a:schemeClr>
-        </a:solidFill>
-        <a:round/>
-      </a:ln>
-    </cs:spPr>
-  </cs:dropLine>
-  <cs:errorBar>
-    <cs:lnRef idx="0"/>
-    <cs:fillRef idx="0"/>
-    <cs:effectRef idx="0"/>
-    <cs:fontRef idx="minor">
-      <a:schemeClr val="tx1"/>
-    </cs:fontRef>
-    <cs:spPr>
-      <a:ln w="9525" cap="flat" cmpd="sng" algn="ctr">
-        <a:solidFill>
-          <a:schemeClr val="tx1">
-            <a:lumMod val="65000"/>
-            <a:lumOff val="35000"/>
-          </a:schemeClr>
-        </a:solidFill>
-        <a:round/>
-      </a:ln>
-    </cs:spPr>
-  </cs:errorBar>
-  <cs:floor>
-    <cs:lnRef idx="0"/>
-    <cs:fillRef idx="0"/>
-    <cs:effectRef idx="0"/>
-    <cs:fontRef idx="minor">
-      <a:schemeClr val="tx1"/>
-    </cs:fontRef>
-    <cs:spPr>
-      <a:noFill/>
-      <a:ln>
-        <a:noFill/>
-      </a:ln>
-    </cs:spPr>
-  </cs:floor>
-  <cs:gridlineMajor>
-    <cs:lnRef idx="0"/>
-    <cs:fillRef idx="0"/>
-    <cs:effectRef idx="0"/>
-    <cs:fontRef idx="minor">
-      <a:schemeClr val="tx1"/>
-    </cs:fontRef>
-    <cs:spPr>
-      <a:ln w="9525" cap="flat" cmpd="sng" algn="ctr">
-        <a:solidFill>
-          <a:schemeClr val="tx1">
-            <a:lumMod val="15000"/>
-            <a:lumOff val="85000"/>
-          </a:schemeClr>
-        </a:solidFill>
-        <a:round/>
-      </a:ln>
-    </cs:spPr>
-  </cs:gridlineMajor>
-  <cs:gridlineMinor>
-    <cs:lnRef idx="0"/>
-    <cs:fillRef idx="0"/>
-    <cs:effectRef idx="0"/>
-    <cs:fontRef idx="minor">
-      <a:schemeClr val="tx1"/>
-    </cs:fontRef>
-    <cs:spPr>
-      <a:ln w="9525" cap="flat" cmpd="sng" algn="ctr">
-        <a:solidFill>
-          <a:schemeClr val="tx1">
-            <a:lumMod val="5000"/>
-            <a:lumOff val="95000"/>
-          </a:schemeClr>
-        </a:solidFill>
-        <a:round/>
-      </a:ln>
-    </cs:spPr>
-  </cs:gridlineMinor>
-  <cs:hiLoLine>
-    <cs:lnRef idx="0"/>
-    <cs:fillRef idx="0"/>
-    <cs:effectRef idx="0"/>
-    <cs:fontRef idx="minor">
-      <a:schemeClr val="tx1"/>
-    </cs:fontRef>
-    <cs:spPr>
-      <a:ln w="9525" cap="flat" cmpd="sng" algn="ctr">
-        <a:solidFill>
-          <a:schemeClr val="tx1">
-            <a:lumMod val="50000"/>
-            <a:lumOff val="50000"/>
-          </a:schemeClr>
-        </a:solidFill>
-        <a:round/>
-      </a:ln>
-    </cs:spPr>
-  </cs:hiLoLine>
-  <cs:leaderLine>
-    <cs:lnRef idx="0"/>
-    <cs:fillRef idx="0"/>
-    <cs:effectRef idx="0"/>
-    <cs:fontRef idx="minor">
-      <a:schemeClr val="tx1"/>
-    </cs:fontRef>
-    <cs:spPr>
-      <a:ln w="9525" cap="flat" cmpd="sng" algn="ctr">
-        <a:solidFill>
-          <a:schemeClr val="tx1">
-            <a:lumMod val="35000"/>
-            <a:lumOff val="65000"/>
-          </a:schemeClr>
-        </a:solidFill>
-        <a:round/>
-      </a:ln>
-    </cs:spPr>
-  </cs:leaderLine>
-  <cs:legend>
-    <cs:lnRef idx="0"/>
-    <cs:fillRef idx="0"/>
-    <cs:effectRef idx="0"/>
-    <cs:fontRef idx="minor">
-      <a:schemeClr val="tx1">
-        <a:lumMod val="65000"/>
-        <a:lumOff val="35000"/>
-      </a:schemeClr>
-    </cs:fontRef>
-    <cs:defRPr sz="1197" kern="1200"/>
-  </cs:legend>
-  <cs:plotArea mods="allowNoFillOverride allowNoLineOverride">
-    <cs:lnRef idx="0"/>
-    <cs:fillRef idx="0"/>
-    <cs:effectRef idx="0"/>
-    <cs:fontRef idx="minor">
-      <a:schemeClr val="tx1"/>
-    </cs:fontRef>
-  </cs:plotArea>
-  <cs:plotArea3D mods="allowNoFillOverride allowNoLineOverride">
-    <cs:lnRef idx="0"/>
-    <cs:fillRef idx="0"/>
-    <cs:effectRef idx="0"/>
-    <cs:fontRef idx="minor">
-      <a:schemeClr val="tx1"/>
-    </cs:fontRef>
-  </cs:plotArea3D>
-  <cs:seriesAxis>
-    <cs:lnRef idx="0"/>
-    <cs:fillRef idx="0"/>
-    <cs:effectRef idx="0"/>
-    <cs:fontRef idx="minor">
-      <a:schemeClr val="tx1">
-        <a:lumMod val="65000"/>
-        <a:lumOff val="35000"/>
-      </a:schemeClr>
-    </cs:fontRef>
-    <cs:defRPr sz="1197" kern="1200"/>
-  </cs:seriesAxis>
-  <cs:seriesLine>
-    <cs:lnRef idx="0"/>
-    <cs:fillRef idx="0"/>
-    <cs:effectRef idx="0"/>
-    <cs:fontRef idx="minor">
-      <a:schemeClr val="tx1"/>
-    </cs:fontRef>
-    <cs:spPr>
-      <a:ln w="9525" cap="flat" cmpd="sng" algn="ctr">
-        <a:solidFill>
-          <a:schemeClr val="tx1">
-            <a:lumMod val="35000"/>
-            <a:lumOff val="65000"/>
-          </a:schemeClr>
-        </a:solidFill>
-        <a:round/>
-      </a:ln>
-    </cs:spPr>
-  </cs:seriesLine>
-  <cs:title>
-    <cs:lnRef idx="0"/>
-    <cs:fillRef idx="0"/>
-    <cs:effectRef idx="0"/>
-    <cs:fontRef idx="minor">
-      <a:schemeClr val="tx1">
-        <a:lumMod val="65000"/>
-        <a:lumOff val="35000"/>
-      </a:schemeClr>
-    </cs:fontRef>
-    <cs:defRPr sz="1862" b="0" kern="1200" spc="0" baseline="0"/>
-  </cs:title>
-  <cs:trendline>
-    <cs:lnRef idx="0">
-      <cs:styleClr val="auto"/>
-    </cs:lnRef>
-    <cs:fillRef idx="0"/>
-    <cs:effectRef idx="0"/>
-    <cs:fontRef idx="minor">
-      <a:schemeClr val="tx1"/>
-    </cs:fontRef>
-    <cs:spPr>
-      <a:ln w="19050" cap="rnd">
-        <a:solidFill>
-          <a:schemeClr val="phClr"/>
-        </a:solidFill>
-        <a:prstDash val="sysDot"/>
-      </a:ln>
-    </cs:spPr>
-  </cs:trendline>
-  <cs:trendlineLabel>
-    <cs:lnRef idx="0"/>
-    <cs:fillRef idx="0"/>
-    <cs:effectRef idx="0"/>
-    <cs:fontRef idx="minor">
-      <a:schemeClr val="tx1">
-        <a:lumMod val="65000"/>
-        <a:lumOff val="35000"/>
-      </a:schemeClr>
-    </cs:fontRef>
-    <cs:defRPr sz="1197" kern="1200"/>
-  </cs:trendlineLabel>
-  <cs:upBar>
-    <cs:lnRef idx="0"/>
-    <cs:fillRef idx="0"/>
-    <cs:effectRef idx="0"/>
-    <cs:fontRef idx="minor">
-      <a:schemeClr val="tx1"/>
-    </cs:fontRef>
-    <cs:spPr>
-      <a:solidFill>
-        <a:schemeClr val="lt1"/>
-      </a:solidFill>
-      <a:ln w="9525" cap="flat" cmpd="sng" algn="ctr">
-        <a:solidFill>
-          <a:schemeClr val="tx1">
-            <a:lumMod val="65000"/>
-            <a:lumOff val="35000"/>
-          </a:schemeClr>
-        </a:solidFill>
-        <a:round/>
-      </a:ln>
-    </cs:spPr>
-  </cs:upBar>
-  <cs:valueAxis>
-    <cs:lnRef idx="0"/>
-    <cs:fillRef idx="0"/>
-    <cs:effectRef idx="0"/>
-    <cs:fontRef idx="minor">
-      <a:schemeClr val="tx1">
-        <a:lumMod val="65000"/>
-        <a:lumOff val="35000"/>
-      </a:schemeClr>
-    </cs:fontRef>
-    <cs:defRPr sz="1197" kern="1200"/>
-  </cs:valueAxis>
-  <cs:wall>
-    <cs:lnRef idx="0"/>
-    <cs:fillRef idx="0"/>
-    <cs:effectRef idx="0"/>
-    <cs:fontRef idx="minor">
-      <a:schemeClr val="tx1"/>
-    </cs:fontRef>
-    <cs:spPr>
-      <a:noFill/>
-      <a:ln>
-        <a:noFill/>
-      </a:ln>
-    </cs:spPr>
-  </cs:wall>
-</cs:chartStyle>
-</file>
-
-<file path=ppt/charts/style2.xml><?xml version="1.0" encoding="utf-8"?>
-<cs:chartStyle xmlns:cs="http://schemas.microsoft.com/office/drawing/2012/chartStyle" xmlns:a="http://schemas.openxmlformats.org/drawingml/2006/main" id="251">
-  <cs:axisTitle>
-    <cs:lnRef idx="0"/>
-    <cs:fillRef idx="0"/>
-    <cs:effectRef idx="0"/>
-    <cs:fontRef idx="minor">
-      <a:schemeClr val="tx1">
-        <a:lumMod val="65000"/>
-        <a:lumOff val="35000"/>
-      </a:schemeClr>
-    </cs:fontRef>
-    <cs:defRPr sz="1330" kern="1200"/>
-  </cs:axisTitle>
-  <cs:categoryAxis>
-    <cs:lnRef idx="0"/>
-    <cs:fillRef idx="0"/>
-    <cs:effectRef idx="0"/>
-    <cs:fontRef idx="minor">
-      <a:schemeClr val="tx1">
-        <a:lumMod val="65000"/>
-        <a:lumOff val="35000"/>
-      </a:schemeClr>
-    </cs:fontRef>
-    <cs:spPr>
-      <a:ln w="9525" cap="flat" cmpd="sng" algn="ctr">
-        <a:solidFill>
-          <a:schemeClr val="tx1">
-            <a:lumMod val="15000"/>
-            <a:lumOff val="85000"/>
-          </a:schemeClr>
-        </a:solidFill>
-        <a:round/>
-      </a:ln>
-    </cs:spPr>
-    <cs:defRPr sz="1197" kern="1200"/>
-  </cs:categoryAxis>
-  <cs:chartArea mods="allowNoFillOverride allowNoLineOverride">
-    <cs:lnRef idx="0"/>
-    <cs:fillRef idx="0"/>
-    <cs:effectRef idx="0"/>
-    <cs:fontRef idx="minor">
-      <a:schemeClr val="tx1"/>
-    </cs:fontRef>
-    <cs:spPr>
-      <a:solidFill>
-        <a:schemeClr val="bg1"/>
-      </a:solidFill>
-      <a:ln w="9525" cap="flat" cmpd="sng" algn="ctr">
-        <a:solidFill>
-          <a:schemeClr val="tx1">
-            <a:lumMod val="15000"/>
-            <a:lumOff val="85000"/>
-          </a:schemeClr>
-        </a:solidFill>
-        <a:round/>
-      </a:ln>
-    </cs:spPr>
-    <cs:defRPr sz="1197" kern="1200"/>
-  </cs:chartArea>
-  <cs:dataLabel>
-    <cs:lnRef idx="0"/>
-    <cs:fillRef idx="0"/>
-    <cs:effectRef idx="0"/>
-    <cs:fontRef idx="minor">
-      <a:schemeClr val="tx1">
-        <a:lumMod val="75000"/>
-        <a:lumOff val="25000"/>
-      </a:schemeClr>
-    </cs:fontRef>
-    <cs:defRPr sz="1197" kern="1200"/>
-  </cs:dataLabel>
-  <cs:dataLabelCallout>
-    <cs:lnRef idx="0"/>
-    <cs:fillRef idx="0"/>
-    <cs:effectRef idx="0"/>
-    <cs:fontRef idx="minor">
-      <a:schemeClr val="dk1">
-        <a:lumMod val="65000"/>
-        <a:lumOff val="35000"/>
-      </a:schemeClr>
-    </cs:fontRef>
-    <cs:spPr>
-      <a:solidFill>
-        <a:schemeClr val="lt1"/>
-      </a:solidFill>
-      <a:ln>
-        <a:solidFill>
-          <a:schemeClr val="dk1">
-            <a:lumMod val="25000"/>
-            <a:lumOff val="75000"/>
-          </a:schemeClr>
-        </a:solidFill>
-      </a:ln>
-    </cs:spPr>
-    <cs:defRPr sz="1197" kern="1200"/>
-    <cs:bodyPr rot="0" spcFirstLastPara="1" vertOverflow="clip" horzOverflow="clip" vert="horz" wrap="square" lIns="36576" tIns="18288" rIns="36576" bIns="18288" anchor="ctr" anchorCtr="1">
-      <a:spAutoFit/>
-    </cs:bodyPr>
-  </cs:dataLabelCallout>
-  <cs:dataPoint>
-    <cs:lnRef idx="0"/>
-    <cs:fillRef idx="1">
-      <cs:styleClr val="auto"/>
-    </cs:fillRef>
-    <cs:effectRef idx="0"/>
-    <cs:fontRef idx="minor">
-      <a:schemeClr val="tx1"/>
-    </cs:fontRef>
-    <cs:spPr>
-      <a:ln w="19050">
-        <a:solidFill>
-          <a:schemeClr val="lt1"/>
-        </a:solidFill>
-      </a:ln>
-    </cs:spPr>
-  </cs:dataPoint>
-  <cs:dataPoint3D>
-    <cs:lnRef idx="0"/>
-    <cs:fillRef idx="1">
-      <cs:styleClr val="auto"/>
-    </cs:fillRef>
-    <cs:effectRef idx="0"/>
-    <cs:fontRef idx="minor">
-      <a:schemeClr val="tx1"/>
-    </cs:fontRef>
-    <cs:spPr>
-      <a:ln w="25400">
-        <a:solidFill>
-          <a:schemeClr val="lt1"/>
-        </a:solidFill>
-      </a:ln>
-    </cs:spPr>
-  </cs:dataPoint3D>
-  <cs:dataPointLine>
-    <cs:lnRef idx="0">
-      <cs:styleClr val="auto"/>
-    </cs:lnRef>
-    <cs:fillRef idx="0"/>
-    <cs:effectRef idx="0"/>
-    <cs:fontRef idx="minor">
-      <a:schemeClr val="tx1"/>
-    </cs:fontRef>
-    <cs:spPr>
-      <a:ln w="28575" cap="rnd">
-        <a:solidFill>
-          <a:schemeClr val="phClr"/>
-        </a:solidFill>
-        <a:round/>
-      </a:ln>
-    </cs:spPr>
-  </cs:dataPointLine>
-  <cs:dataPointMarker>
-    <cs:lnRef idx="0">
-      <cs:styleClr val="auto"/>
-    </cs:lnRef>
-    <cs:fillRef idx="1">
-      <cs:styleClr val="auto"/>
-    </cs:fillRef>
-    <cs:effectRef idx="0"/>
-    <cs:fontRef idx="minor">
-      <a:schemeClr val="tx1"/>
-    </cs:fontRef>
-    <cs:spPr>
-      <a:ln w="9525">
-        <a:solidFill>
-          <a:schemeClr val="phClr"/>
-        </a:solidFill>
-      </a:ln>
-    </cs:spPr>
-  </cs:dataPointMarker>
-  <cs:dataPointMarkerLayout symbol="circle" size="5"/>
-  <cs:dataPointWireframe>
-    <cs:lnRef idx="0">
-      <cs:styleClr val="auto"/>
-    </cs:lnRef>
-    <cs:fillRef idx="0"/>
-    <cs:effectRef idx="0"/>
-    <cs:fontRef idx="minor">
-      <a:schemeClr val="tx1"/>
-    </cs:fontRef>
-    <cs:spPr>
-      <a:ln w="9525" cap="rnd">
-        <a:solidFill>
-          <a:schemeClr val="phClr"/>
-        </a:solidFill>
-        <a:round/>
-      </a:ln>
-    </cs:spPr>
-  </cs:dataPointWireframe>
-  <cs:dataTable>
-    <cs:lnRef idx="0"/>
-    <cs:fillRef idx="0"/>
-    <cs:effectRef idx="0"/>
-    <cs:fontRef idx="minor">
-      <a:schemeClr val="tx1">
-        <a:lumMod val="65000"/>
-        <a:lumOff val="35000"/>
-      </a:schemeClr>
-    </cs:fontRef>
-    <cs:spPr>
-      <a:noFill/>
-      <a:ln w="9525" cap="flat" cmpd="sng" algn="ctr">
-        <a:solidFill>
-          <a:schemeClr val="tx1">
-            <a:lumMod val="15000"/>
-            <a:lumOff val="85000"/>
-          </a:schemeClr>
-        </a:solidFill>
-        <a:round/>
-      </a:ln>
-    </cs:spPr>
-    <cs:defRPr sz="1197" kern="1200"/>
-  </cs:dataTable>
-  <cs:downBar>
-    <cs:lnRef idx="0"/>
-    <cs:fillRef idx="0"/>
-    <cs:effectRef idx="0"/>
-    <cs:fontRef idx="minor">
-      <a:schemeClr val="tx1"/>
-    </cs:fontRef>
-    <cs:spPr>
-      <a:solidFill>
-        <a:schemeClr val="dk1">
-          <a:lumMod val="75000"/>
-          <a:lumOff val="25000"/>
-        </a:schemeClr>
-      </a:solidFill>
-      <a:ln w="9525" cap="flat" cmpd="sng" algn="ctr">
-        <a:solidFill>
-          <a:schemeClr val="tx1">
-            <a:lumMod val="65000"/>
-            <a:lumOff val="35000"/>
-          </a:schemeClr>
-        </a:solidFill>
-        <a:round/>
-      </a:ln>
-    </cs:spPr>
-  </cs:downBar>
-  <cs:dropLine>
-    <cs:lnRef idx="0"/>
-    <cs:fillRef idx="0"/>
-    <cs:effectRef idx="0"/>
-    <cs:fontRef idx="minor">
-      <a:schemeClr val="tx1"/>
-    </cs:fontRef>
-    <cs:spPr>
-      <a:ln w="9525" cap="flat" cmpd="sng" algn="ctr">
-        <a:solidFill>
-          <a:schemeClr val="tx1">
-            <a:lumMod val="35000"/>
-            <a:lumOff val="65000"/>
-          </a:schemeClr>
-        </a:solidFill>
-        <a:round/>
-      </a:ln>
-    </cs:spPr>
-  </cs:dropLine>
-  <cs:errorBar>
-    <cs:lnRef idx="0"/>
-    <cs:fillRef idx="0"/>
-    <cs:effectRef idx="0"/>
-    <cs:fontRef idx="minor">
-      <a:schemeClr val="tx1"/>
-    </cs:fontRef>
-    <cs:spPr>
-      <a:ln w="9525" cap="flat" cmpd="sng" algn="ctr">
-        <a:solidFill>
-          <a:schemeClr val="tx1">
-            <a:lumMod val="65000"/>
-            <a:lumOff val="35000"/>
-          </a:schemeClr>
-        </a:solidFill>
-        <a:round/>
-      </a:ln>
-    </cs:spPr>
-  </cs:errorBar>
-  <cs:floor>
-    <cs:lnRef idx="0"/>
-    <cs:fillRef idx="0"/>
-    <cs:effectRef idx="0"/>
-    <cs:fontRef idx="minor">
-      <a:schemeClr val="tx1"/>
-    </cs:fontRef>
-    <cs:spPr>
-      <a:noFill/>
-      <a:ln>
-        <a:noFill/>
-      </a:ln>
-    </cs:spPr>
-  </cs:floor>
-  <cs:gridlineMajor>
-    <cs:lnRef idx="0"/>
-    <cs:fillRef idx="0"/>
-    <cs:effectRef idx="0"/>
-    <cs:fontRef idx="minor">
-      <a:schemeClr val="tx1"/>
-    </cs:fontRef>
-    <cs:spPr>
-      <a:ln w="9525" cap="flat" cmpd="sng" algn="ctr">
-        <a:solidFill>
-          <a:schemeClr val="tx1">
-            <a:lumMod val="15000"/>
-            <a:lumOff val="85000"/>
-          </a:schemeClr>
-        </a:solidFill>
-        <a:round/>
-      </a:ln>
-    </cs:spPr>
-  </cs:gridlineMajor>
-  <cs:gridlineMinor>
-    <cs:lnRef idx="0"/>
-    <cs:fillRef idx="0"/>
-    <cs:effectRef idx="0"/>
-    <cs:fontRef idx="minor">
-      <a:schemeClr val="tx1"/>
-    </cs:fontRef>
-    <cs:spPr>
-      <a:ln w="9525" cap="flat" cmpd="sng" algn="ctr">
-        <a:solidFill>
-          <a:schemeClr val="tx1">
-            <a:lumMod val="5000"/>
-            <a:lumOff val="95000"/>
-          </a:schemeClr>
-        </a:solidFill>
-        <a:round/>
-      </a:ln>
-    </cs:spPr>
-  </cs:gridlineMinor>
-  <cs:hiLoLine>
-    <cs:lnRef idx="0"/>
-    <cs:fillRef idx="0"/>
-    <cs:effectRef idx="0"/>
-    <cs:fontRef idx="minor">
-      <a:schemeClr val="tx1"/>
-    </cs:fontRef>
-    <cs:spPr>
-      <a:ln w="9525" cap="flat" cmpd="sng" algn="ctr">
-        <a:solidFill>
-          <a:schemeClr val="tx1">
-            <a:lumMod val="50000"/>
-            <a:lumOff val="50000"/>
-          </a:schemeClr>
-        </a:solidFill>
-        <a:round/>
-      </a:ln>
-    </cs:spPr>
-  </cs:hiLoLine>
-  <cs:leaderLine>
-    <cs:lnRef idx="0"/>
-    <cs:fillRef idx="0"/>
-    <cs:effectRef idx="0"/>
-    <cs:fontRef idx="minor">
-      <a:schemeClr val="tx1"/>
-    </cs:fontRef>
-    <cs:spPr>
-      <a:ln w="9525" cap="flat" cmpd="sng" algn="ctr">
-        <a:solidFill>
-          <a:schemeClr val="tx1">
-            <a:lumMod val="35000"/>
-            <a:lumOff val="65000"/>
-          </a:schemeClr>
-        </a:solidFill>
-        <a:round/>
-      </a:ln>
-    </cs:spPr>
-  </cs:leaderLine>
-  <cs:legend>
-    <cs:lnRef idx="0"/>
-    <cs:fillRef idx="0"/>
-    <cs:effectRef idx="0"/>
-    <cs:fontRef idx="minor">
-      <a:schemeClr val="tx1">
-        <a:lumMod val="65000"/>
-        <a:lumOff val="35000"/>
-      </a:schemeClr>
-    </cs:fontRef>
-    <cs:defRPr sz="1197" kern="1200"/>
-  </cs:legend>
-  <cs:plotArea mods="allowNoFillOverride allowNoLineOverride">
-    <cs:lnRef idx="0"/>
-    <cs:fillRef idx="0"/>
-    <cs:effectRef idx="0"/>
-    <cs:fontRef idx="minor">
-      <a:schemeClr val="tx1"/>
-    </cs:fontRef>
-  </cs:plotArea>
-  <cs:plotArea3D mods="allowNoFillOverride allowNoLineOverride">
-    <cs:lnRef idx="0"/>
-    <cs:fillRef idx="0"/>
-    <cs:effectRef idx="0"/>
-    <cs:fontRef idx="minor">
-      <a:schemeClr val="tx1"/>
-    </cs:fontRef>
-  </cs:plotArea3D>
-  <cs:seriesAxis>
-    <cs:lnRef idx="0"/>
-    <cs:fillRef idx="0"/>
-    <cs:effectRef idx="0"/>
-    <cs:fontRef idx="minor">
-      <a:schemeClr val="tx1">
-        <a:lumMod val="65000"/>
-        <a:lumOff val="35000"/>
-      </a:schemeClr>
-    </cs:fontRef>
-    <cs:defRPr sz="1197" kern="1200"/>
-  </cs:seriesAxis>
-  <cs:seriesLine>
-    <cs:lnRef idx="0"/>
-    <cs:fillRef idx="0"/>
-    <cs:effectRef idx="0"/>
-    <cs:fontRef idx="minor">
-      <a:schemeClr val="tx1"/>
-    </cs:fontRef>
-    <cs:spPr>
-      <a:ln w="9525" cap="flat" cmpd="sng" algn="ctr">
-        <a:solidFill>
-          <a:schemeClr val="tx1">
-            <a:lumMod val="35000"/>
-            <a:lumOff val="65000"/>
-          </a:schemeClr>
-        </a:solidFill>
-        <a:round/>
-      </a:ln>
-    </cs:spPr>
-  </cs:seriesLine>
-  <cs:title>
-    <cs:lnRef idx="0"/>
-    <cs:fillRef idx="0"/>
-    <cs:effectRef idx="0"/>
-    <cs:fontRef idx="minor">
-      <a:schemeClr val="tx1">
-        <a:lumMod val="65000"/>
-        <a:lumOff val="35000"/>
-      </a:schemeClr>
-    </cs:fontRef>
-    <cs:defRPr sz="1862" b="0" kern="1200" spc="0" baseline="0"/>
-  </cs:title>
-  <cs:trendline>
-    <cs:lnRef idx="0">
-      <cs:styleClr val="auto"/>
-    </cs:lnRef>
-    <cs:fillRef idx="0"/>
-    <cs:effectRef idx="0"/>
-    <cs:fontRef idx="minor">
-      <a:schemeClr val="tx1"/>
-    </cs:fontRef>
-    <cs:spPr>
-      <a:ln w="19050" cap="rnd">
-        <a:solidFill>
-          <a:schemeClr val="phClr"/>
-        </a:solidFill>
-        <a:prstDash val="sysDot"/>
-      </a:ln>
-    </cs:spPr>
-  </cs:trendline>
-  <cs:trendlineLabel>
-    <cs:lnRef idx="0"/>
-    <cs:fillRef idx="0"/>
-    <cs:effectRef idx="0"/>
-    <cs:fontRef idx="minor">
-      <a:schemeClr val="tx1">
-        <a:lumMod val="65000"/>
-        <a:lumOff val="35000"/>
-      </a:schemeClr>
-    </cs:fontRef>
-    <cs:defRPr sz="1197" kern="1200"/>
-  </cs:trendlineLabel>
-  <cs:upBar>
-    <cs:lnRef idx="0"/>
-    <cs:fillRef idx="0"/>
-    <cs:effectRef idx="0"/>
-    <cs:fontRef idx="minor">
-      <a:schemeClr val="tx1"/>
-    </cs:fontRef>
-    <cs:spPr>
-      <a:solidFill>
-        <a:schemeClr val="lt1"/>
-      </a:solidFill>
-      <a:ln w="9525" cap="flat" cmpd="sng" algn="ctr">
-        <a:solidFill>
-          <a:schemeClr val="tx1">
-            <a:lumMod val="65000"/>
-            <a:lumOff val="35000"/>
-          </a:schemeClr>
-        </a:solidFill>
-        <a:round/>
-      </a:ln>
-    </cs:spPr>
-  </cs:upBar>
-  <cs:valueAxis>
-    <cs:lnRef idx="0"/>
-    <cs:fillRef idx="0"/>
-    <cs:effectRef idx="0"/>
-    <cs:fontRef idx="minor">
-      <a:schemeClr val="tx1">
-        <a:lumMod val="65000"/>
-        <a:lumOff val="35000"/>
-      </a:schemeClr>
-    </cs:fontRef>
-    <cs:defRPr sz="1197" kern="1200"/>
-  </cs:valueAxis>
-  <cs:wall>
-    <cs:lnRef idx="0"/>
-    <cs:fillRef idx="0"/>
-    <cs:effectRef idx="0"/>
-    <cs:fontRef idx="minor">
-      <a:schemeClr val="tx1"/>
-    </cs:fontRef>
-    <cs:spPr>
-      <a:noFill/>
-      <a:ln>
-        <a:noFill/>
-      </a:ln>
-    </cs:spPr>
-  </cs:wall>
-</cs:chartStyle>
-</file>
-
-<file path=ppt/charts/style3.xml><?xml version="1.0" encoding="utf-8"?>
-<cs:chartStyle xmlns:cs="http://schemas.microsoft.com/office/drawing/2012/chartStyle" xmlns:a="http://schemas.openxmlformats.org/drawingml/2006/main" id="251">
-  <cs:axisTitle>
-    <cs:lnRef idx="0"/>
-    <cs:fillRef idx="0"/>
-    <cs:effectRef idx="0"/>
-    <cs:fontRef idx="minor">
-      <a:schemeClr val="tx1">
-        <a:lumMod val="65000"/>
-        <a:lumOff val="35000"/>
-      </a:schemeClr>
-    </cs:fontRef>
-    <cs:defRPr sz="1330" kern="1200"/>
-  </cs:axisTitle>
-  <cs:categoryAxis>
-    <cs:lnRef idx="0"/>
-    <cs:fillRef idx="0"/>
-    <cs:effectRef idx="0"/>
-    <cs:fontRef idx="minor">
-      <a:schemeClr val="tx1">
-        <a:lumMod val="65000"/>
-        <a:lumOff val="35000"/>
-      </a:schemeClr>
-    </cs:fontRef>
-    <cs:spPr>
-      <a:ln w="9525" cap="flat" cmpd="sng" algn="ctr">
-        <a:solidFill>
-          <a:schemeClr val="tx1">
-            <a:lumMod val="15000"/>
-            <a:lumOff val="85000"/>
-          </a:schemeClr>
-        </a:solidFill>
-        <a:round/>
-      </a:ln>
-    </cs:spPr>
-    <cs:defRPr sz="1197" kern="1200"/>
-  </cs:categoryAxis>
-  <cs:chartArea mods="allowNoFillOverride allowNoLineOverride">
-    <cs:lnRef idx="0"/>
-    <cs:fillRef idx="0"/>
-    <cs:effectRef idx="0"/>
-    <cs:fontRef idx="minor">
-      <a:schemeClr val="tx1"/>
-    </cs:fontRef>
-    <cs:spPr>
-      <a:solidFill>
-        <a:schemeClr val="bg1"/>
-      </a:solidFill>
-      <a:ln w="9525" cap="flat" cmpd="sng" algn="ctr">
-        <a:solidFill>
-          <a:schemeClr val="tx1">
-            <a:lumMod val="15000"/>
-            <a:lumOff val="85000"/>
-          </a:schemeClr>
-        </a:solidFill>
-        <a:round/>
-      </a:ln>
-    </cs:spPr>
-    <cs:defRPr sz="1197" kern="1200"/>
-  </cs:chartArea>
-  <cs:dataLabel>
-    <cs:lnRef idx="0"/>
-    <cs:fillRef idx="0"/>
-    <cs:effectRef idx="0"/>
-    <cs:fontRef idx="minor">
-      <a:schemeClr val="tx1">
-        <a:lumMod val="75000"/>
-        <a:lumOff val="25000"/>
-      </a:schemeClr>
-    </cs:fontRef>
-    <cs:defRPr sz="1197" kern="1200"/>
-  </cs:dataLabel>
-  <cs:dataLabelCallout>
-    <cs:lnRef idx="0"/>
-    <cs:fillRef idx="0"/>
-    <cs:effectRef idx="0"/>
-    <cs:fontRef idx="minor">
-      <a:schemeClr val="dk1">
-        <a:lumMod val="65000"/>
-        <a:lumOff val="35000"/>
-      </a:schemeClr>
-    </cs:fontRef>
-    <cs:spPr>
-      <a:solidFill>
-        <a:schemeClr val="lt1"/>
-      </a:solidFill>
-      <a:ln>
-        <a:solidFill>
-          <a:schemeClr val="dk1">
-            <a:lumMod val="25000"/>
-            <a:lumOff val="75000"/>
-          </a:schemeClr>
-        </a:solidFill>
-      </a:ln>
-    </cs:spPr>
-    <cs:defRPr sz="1197" kern="1200"/>
-    <cs:bodyPr rot="0" spcFirstLastPara="1" vertOverflow="clip" horzOverflow="clip" vert="horz" wrap="square" lIns="36576" tIns="18288" rIns="36576" bIns="18288" anchor="ctr" anchorCtr="1">
-      <a:spAutoFit/>
-    </cs:bodyPr>
-  </cs:dataLabelCallout>
-  <cs:dataPoint>
-    <cs:lnRef idx="0"/>
-    <cs:fillRef idx="1">
-      <cs:styleClr val="auto"/>
-    </cs:fillRef>
-    <cs:effectRef idx="0"/>
-    <cs:fontRef idx="minor">
-      <a:schemeClr val="tx1"/>
-    </cs:fontRef>
-    <cs:spPr>
-      <a:ln w="19050">
-        <a:solidFill>
-          <a:schemeClr val="lt1"/>
-        </a:solidFill>
-      </a:ln>
-    </cs:spPr>
-  </cs:dataPoint>
-  <cs:dataPoint3D>
-    <cs:lnRef idx="0"/>
-    <cs:fillRef idx="1">
-      <cs:styleClr val="auto"/>
-    </cs:fillRef>
-    <cs:effectRef idx="0"/>
-    <cs:fontRef idx="minor">
-      <a:schemeClr val="tx1"/>
-    </cs:fontRef>
-    <cs:spPr>
-      <a:ln w="25400">
-        <a:solidFill>
-          <a:schemeClr val="lt1"/>
-        </a:solidFill>
-      </a:ln>
-    </cs:spPr>
-  </cs:dataPoint3D>
-  <cs:dataPointLine>
-    <cs:lnRef idx="0">
-      <cs:styleClr val="auto"/>
-    </cs:lnRef>
-    <cs:fillRef idx="0"/>
-    <cs:effectRef idx="0"/>
-    <cs:fontRef idx="minor">
-      <a:schemeClr val="tx1"/>
-    </cs:fontRef>
-    <cs:spPr>
-      <a:ln w="28575" cap="rnd">
-        <a:solidFill>
-          <a:schemeClr val="phClr"/>
-        </a:solidFill>
-        <a:round/>
-      </a:ln>
-    </cs:spPr>
-  </cs:dataPointLine>
-  <cs:dataPointMarker>
-    <cs:lnRef idx="0">
-      <cs:styleClr val="auto"/>
-    </cs:lnRef>
-    <cs:fillRef idx="1">
-      <cs:styleClr val="auto"/>
-    </cs:fillRef>
-    <cs:effectRef idx="0"/>
-    <cs:fontRef idx="minor">
-      <a:schemeClr val="tx1"/>
-    </cs:fontRef>
-    <cs:spPr>
-      <a:ln w="9525">
-        <a:solidFill>
-          <a:schemeClr val="phClr"/>
-        </a:solidFill>
-      </a:ln>
-    </cs:spPr>
-  </cs:dataPointMarker>
-  <cs:dataPointMarkerLayout symbol="circle" size="5"/>
-  <cs:dataPointWireframe>
-    <cs:lnRef idx="0">
-      <cs:styleClr val="auto"/>
-    </cs:lnRef>
-    <cs:fillRef idx="0"/>
-    <cs:effectRef idx="0"/>
-    <cs:fontRef idx="minor">
-      <a:schemeClr val="tx1"/>
-    </cs:fontRef>
-    <cs:spPr>
-      <a:ln w="9525" cap="rnd">
-        <a:solidFill>
-          <a:schemeClr val="phClr"/>
-        </a:solidFill>
-        <a:round/>
-      </a:ln>
-    </cs:spPr>
-  </cs:dataPointWireframe>
-  <cs:dataTable>
-    <cs:lnRef idx="0"/>
-    <cs:fillRef idx="0"/>
-    <cs:effectRef idx="0"/>
-    <cs:fontRef idx="minor">
-      <a:schemeClr val="tx1">
-        <a:lumMod val="65000"/>
-        <a:lumOff val="35000"/>
-      </a:schemeClr>
-    </cs:fontRef>
-    <cs:spPr>
-      <a:noFill/>
-      <a:ln w="9525" cap="flat" cmpd="sng" algn="ctr">
-        <a:solidFill>
-          <a:schemeClr val="tx1">
-            <a:lumMod val="15000"/>
-            <a:lumOff val="85000"/>
-          </a:schemeClr>
-        </a:solidFill>
-        <a:round/>
-      </a:ln>
-    </cs:spPr>
-    <cs:defRPr sz="1197" kern="1200"/>
-  </cs:dataTable>
-  <cs:downBar>
-    <cs:lnRef idx="0"/>
-    <cs:fillRef idx="0"/>
-    <cs:effectRef idx="0"/>
-    <cs:fontRef idx="minor">
-      <a:schemeClr val="tx1"/>
-    </cs:fontRef>
-    <cs:spPr>
-      <a:solidFill>
-        <a:schemeClr val="dk1">
-          <a:lumMod val="75000"/>
-          <a:lumOff val="25000"/>
-        </a:schemeClr>
-      </a:solidFill>
-      <a:ln w="9525" cap="flat" cmpd="sng" algn="ctr">
-        <a:solidFill>
-          <a:schemeClr val="tx1">
-            <a:lumMod val="65000"/>
-            <a:lumOff val="35000"/>
-          </a:schemeClr>
-        </a:solidFill>
-        <a:round/>
-      </a:ln>
-    </cs:spPr>
-  </cs:downBar>
-  <cs:dropLine>
-    <cs:lnRef idx="0"/>
-    <cs:fillRef idx="0"/>
-    <cs:effectRef idx="0"/>
-    <cs:fontRef idx="minor">
-      <a:schemeClr val="tx1"/>
-    </cs:fontRef>
-    <cs:spPr>
-      <a:ln w="9525" cap="flat" cmpd="sng" algn="ctr">
-        <a:solidFill>
-          <a:schemeClr val="tx1">
-            <a:lumMod val="35000"/>
-            <a:lumOff val="65000"/>
-          </a:schemeClr>
-        </a:solidFill>
-        <a:round/>
-      </a:ln>
-    </cs:spPr>
-  </cs:dropLine>
-  <cs:errorBar>
-    <cs:lnRef idx="0"/>
-    <cs:fillRef idx="0"/>
-    <cs:effectRef idx="0"/>
-    <cs:fontRef idx="minor">
-      <a:schemeClr val="tx1"/>
-    </cs:fontRef>
-    <cs:spPr>
-      <a:ln w="9525" cap="flat" cmpd="sng" algn="ctr">
-        <a:solidFill>
-          <a:schemeClr val="tx1">
-            <a:lumMod val="65000"/>
-            <a:lumOff val="35000"/>
-          </a:schemeClr>
-        </a:solidFill>
-        <a:round/>
-      </a:ln>
-    </cs:spPr>
-  </cs:errorBar>
-  <cs:floor>
-    <cs:lnRef idx="0"/>
-    <cs:fillRef idx="0"/>
-    <cs:effectRef idx="0"/>
-    <cs:fontRef idx="minor">
-      <a:schemeClr val="tx1"/>
-    </cs:fontRef>
-    <cs:spPr>
-      <a:noFill/>
-      <a:ln>
-        <a:noFill/>
-      </a:ln>
-    </cs:spPr>
-  </cs:floor>
-  <cs:gridlineMajor>
-    <cs:lnRef idx="0"/>
-    <cs:fillRef idx="0"/>
-    <cs:effectRef idx="0"/>
-    <cs:fontRef idx="minor">
-      <a:schemeClr val="tx1"/>
-    </cs:fontRef>
-    <cs:spPr>
-      <a:ln w="9525" cap="flat" cmpd="sng" algn="ctr">
-        <a:solidFill>
-          <a:schemeClr val="tx1">
-            <a:lumMod val="15000"/>
-            <a:lumOff val="85000"/>
-          </a:schemeClr>
-        </a:solidFill>
-        <a:round/>
-      </a:ln>
-    </cs:spPr>
-  </cs:gridlineMajor>
-  <cs:gridlineMinor>
-    <cs:lnRef idx="0"/>
-    <cs:fillRef idx="0"/>
-    <cs:effectRef idx="0"/>
-    <cs:fontRef idx="minor">
-      <a:schemeClr val="tx1"/>
-    </cs:fontRef>
-    <cs:spPr>
-      <a:ln w="9525" cap="flat" cmpd="sng" algn="ctr">
-        <a:solidFill>
-          <a:schemeClr val="tx1">
-            <a:lumMod val="5000"/>
-            <a:lumOff val="95000"/>
-          </a:schemeClr>
-        </a:solidFill>
-        <a:round/>
-      </a:ln>
-    </cs:spPr>
-  </cs:gridlineMinor>
-  <cs:hiLoLine>
-    <cs:lnRef idx="0"/>
-    <cs:fillRef idx="0"/>
-    <cs:effectRef idx="0"/>
-    <cs:fontRef idx="minor">
-      <a:schemeClr val="tx1"/>
-    </cs:fontRef>
-    <cs:spPr>
-      <a:ln w="9525" cap="flat" cmpd="sng" algn="ctr">
-        <a:solidFill>
-          <a:schemeClr val="tx1">
-            <a:lumMod val="50000"/>
-            <a:lumOff val="50000"/>
-          </a:schemeClr>
-        </a:solidFill>
-        <a:round/>
-      </a:ln>
-    </cs:spPr>
-  </cs:hiLoLine>
-  <cs:leaderLine>
-    <cs:lnRef idx="0"/>
-    <cs:fillRef idx="0"/>
-    <cs:effectRef idx="0"/>
-    <cs:fontRef idx="minor">
-      <a:schemeClr val="tx1"/>
-    </cs:fontRef>
-    <cs:spPr>
-      <a:ln w="9525" cap="flat" cmpd="sng" algn="ctr">
-        <a:solidFill>
-          <a:schemeClr val="tx1">
-            <a:lumMod val="35000"/>
-            <a:lumOff val="65000"/>
-          </a:schemeClr>
-        </a:solidFill>
-        <a:round/>
-      </a:ln>
-    </cs:spPr>
-  </cs:leaderLine>
-  <cs:legend>
-    <cs:lnRef idx="0"/>
-    <cs:fillRef idx="0"/>
-    <cs:effectRef idx="0"/>
-    <cs:fontRef idx="minor">
-      <a:schemeClr val="tx1">
-        <a:lumMod val="65000"/>
-        <a:lumOff val="35000"/>
-      </a:schemeClr>
-    </cs:fontRef>
-    <cs:defRPr sz="1197" kern="1200"/>
-  </cs:legend>
-  <cs:plotArea mods="allowNoFillOverride allowNoLineOverride">
-    <cs:lnRef idx="0"/>
-    <cs:fillRef idx="0"/>
-    <cs:effectRef idx="0"/>
-    <cs:fontRef idx="minor">
-      <a:schemeClr val="tx1"/>
-    </cs:fontRef>
-  </cs:plotArea>
-  <cs:plotArea3D mods="allowNoFillOverride allowNoLineOverride">
-    <cs:lnRef idx="0"/>
-    <cs:fillRef idx="0"/>
-    <cs:effectRef idx="0"/>
-    <cs:fontRef idx="minor">
-      <a:schemeClr val="tx1"/>
-    </cs:fontRef>
-  </cs:plotArea3D>
-  <cs:seriesAxis>
-    <cs:lnRef idx="0"/>
-    <cs:fillRef idx="0"/>
-    <cs:effectRef idx="0"/>
-    <cs:fontRef idx="minor">
-      <a:schemeClr val="tx1">
-        <a:lumMod val="65000"/>
-        <a:lumOff val="35000"/>
-      </a:schemeClr>
-    </cs:fontRef>
-    <cs:defRPr sz="1197" kern="1200"/>
-  </cs:seriesAxis>
-  <cs:seriesLine>
-    <cs:lnRef idx="0"/>
-    <cs:fillRef idx="0"/>
-    <cs:effectRef idx="0"/>
-    <cs:fontRef idx="minor">
-      <a:schemeClr val="tx1"/>
-    </cs:fontRef>
-    <cs:spPr>
-      <a:ln w="9525" cap="flat" cmpd="sng" algn="ctr">
-        <a:solidFill>
-          <a:schemeClr val="tx1">
-            <a:lumMod val="35000"/>
-            <a:lumOff val="65000"/>
-          </a:schemeClr>
-        </a:solidFill>
-        <a:round/>
-      </a:ln>
-    </cs:spPr>
-  </cs:seriesLine>
-  <cs:title>
-    <cs:lnRef idx="0"/>
-    <cs:fillRef idx="0"/>
-    <cs:effectRef idx="0"/>
-    <cs:fontRef idx="minor">
-      <a:schemeClr val="tx1">
-        <a:lumMod val="65000"/>
-        <a:lumOff val="35000"/>
-      </a:schemeClr>
-    </cs:fontRef>
-    <cs:defRPr sz="1862" b="0" kern="1200" spc="0" baseline="0"/>
-  </cs:title>
-  <cs:trendline>
-    <cs:lnRef idx="0">
-      <cs:styleClr val="auto"/>
-    </cs:lnRef>
-    <cs:fillRef idx="0"/>
-    <cs:effectRef idx="0"/>
-    <cs:fontRef idx="minor">
-      <a:schemeClr val="tx1"/>
-    </cs:fontRef>
-    <cs:spPr>
-      <a:ln w="19050" cap="rnd">
-        <a:solidFill>
-          <a:schemeClr val="phClr"/>
-        </a:solidFill>
-        <a:prstDash val="sysDot"/>
-      </a:ln>
-    </cs:spPr>
-  </cs:trendline>
-  <cs:trendlineLabel>
-    <cs:lnRef idx="0"/>
-    <cs:fillRef idx="0"/>
-    <cs:effectRef idx="0"/>
-    <cs:fontRef idx="minor">
-      <a:schemeClr val="tx1">
-        <a:lumMod val="65000"/>
-        <a:lumOff val="35000"/>
-      </a:schemeClr>
-    </cs:fontRef>
-    <cs:defRPr sz="1197" kern="1200"/>
-  </cs:trendlineLabel>
-  <cs:upBar>
-    <cs:lnRef idx="0"/>
-    <cs:fillRef idx="0"/>
-    <cs:effectRef idx="0"/>
-    <cs:fontRef idx="minor">
-      <a:schemeClr val="tx1"/>
-    </cs:fontRef>
-    <cs:spPr>
-      <a:solidFill>
-        <a:schemeClr val="lt1"/>
-      </a:solidFill>
-      <a:ln w="9525" cap="flat" cmpd="sng" algn="ctr">
-        <a:solidFill>
-          <a:schemeClr val="tx1">
-            <a:lumMod val="65000"/>
-            <a:lumOff val="35000"/>
-          </a:schemeClr>
-        </a:solidFill>
-        <a:round/>
-      </a:ln>
-    </cs:spPr>
-  </cs:upBar>
-  <cs:valueAxis>
-    <cs:lnRef idx="0"/>
-    <cs:fillRef idx="0"/>
-    <cs:effectRef idx="0"/>
-    <cs:fontRef idx="minor">
-      <a:schemeClr val="tx1">
-        <a:lumMod val="65000"/>
-        <a:lumOff val="35000"/>
-      </a:schemeClr>
-    </cs:fontRef>
-    <cs:defRPr sz="1197" kern="1200"/>
-  </cs:valueAxis>
-  <cs:wall>
-    <cs:lnRef idx="0"/>
-    <cs:fillRef idx="0"/>
-    <cs:effectRef idx="0"/>
-    <cs:fontRef idx="minor">
-      <a:schemeClr val="tx1"/>
-    </cs:fontRef>
-    <cs:spPr>
-      <a:noFill/>
-      <a:ln>
-        <a:noFill/>
-      </a:ln>
-    </cs:spPr>
-  </cs:wall>
-</cs:chartStyle>
-</file>
-
-<file path=ppt/charts/style4.xml><?xml version="1.0" encoding="utf-8"?>
 <cs:chartStyle xmlns:cs="http://schemas.microsoft.com/office/drawing/2012/chartStyle" xmlns:a="http://schemas.openxmlformats.org/drawingml/2006/main" id="252">
   <cs:axisTitle>
     <cs:lnRef idx="0"/>
@@ -4128,7 +2676,7 @@
 </cs:chartStyle>
 </file>
 
-<file path=ppt/charts/style5.xml><?xml version="1.0" encoding="utf-8"?>
+<file path=ppt/charts/style11.xml><?xml version="1.0" encoding="utf-8"?>
 <cs:chartStyle xmlns:cs="http://schemas.microsoft.com/office/drawing/2012/chartStyle" xmlns:a="http://schemas.openxmlformats.org/drawingml/2006/main" id="251">
   <cs:axisTitle>
     <cs:lnRef idx="0"/>
@@ -4647,7 +3195,7 @@
 </cs:chartStyle>
 </file>
 
-<file path=ppt/charts/style6.xml><?xml version="1.0" encoding="utf-8"?>
+<file path=ppt/charts/style2.xml><?xml version="1.0" encoding="utf-8"?>
 <cs:chartStyle xmlns:cs="http://schemas.microsoft.com/office/drawing/2012/chartStyle" xmlns:a="http://schemas.openxmlformats.org/drawingml/2006/main" id="251">
   <cs:axisTitle>
     <cs:lnRef idx="0"/>
@@ -5166,7 +3714,7 @@
 </cs:chartStyle>
 </file>
 
-<file path=ppt/charts/style7.xml><?xml version="1.0" encoding="utf-8"?>
+<file path=ppt/charts/style3.xml><?xml version="1.0" encoding="utf-8"?>
 <cs:chartStyle xmlns:cs="http://schemas.microsoft.com/office/drawing/2012/chartStyle" xmlns:a="http://schemas.openxmlformats.org/drawingml/2006/main" id="251">
   <cs:axisTitle>
     <cs:lnRef idx="0"/>
@@ -5685,7 +4233,7 @@
 </cs:chartStyle>
 </file>
 
-<file path=ppt/charts/style8.xml><?xml version="1.0" encoding="utf-8"?>
+<file path=ppt/charts/style4.xml><?xml version="1.0" encoding="utf-8"?>
 <cs:chartStyle xmlns:cs="http://schemas.microsoft.com/office/drawing/2012/chartStyle" xmlns:a="http://schemas.openxmlformats.org/drawingml/2006/main" id="251">
   <cs:axisTitle>
     <cs:lnRef idx="0"/>
@@ -6204,7 +4752,7 @@
 </cs:chartStyle>
 </file>
 
-<file path=ppt/charts/style9.xml><?xml version="1.0" encoding="utf-8"?>
+<file path=ppt/charts/style5.xml><?xml version="1.0" encoding="utf-8"?>
 <cs:chartStyle xmlns:cs="http://schemas.microsoft.com/office/drawing/2012/chartStyle" xmlns:a="http://schemas.openxmlformats.org/drawingml/2006/main" id="252">
   <cs:axisTitle>
     <cs:lnRef idx="0"/>
@@ -6734,6 +5282,2082 @@
     <cs:fontRef idx="minor">
       <a:schemeClr val="dk1"/>
     </cs:fontRef>
+  </cs:wall>
+</cs:chartStyle>
+</file>
+
+<file path=ppt/charts/style6.xml><?xml version="1.0" encoding="utf-8"?>
+<cs:chartStyle xmlns:cs="http://schemas.microsoft.com/office/drawing/2012/chartStyle" xmlns:a="http://schemas.openxmlformats.org/drawingml/2006/main" id="251">
+  <cs:axisTitle>
+    <cs:lnRef idx="0"/>
+    <cs:fillRef idx="0"/>
+    <cs:effectRef idx="0"/>
+    <cs:fontRef idx="minor">
+      <a:schemeClr val="tx1">
+        <a:lumMod val="65000"/>
+        <a:lumOff val="35000"/>
+      </a:schemeClr>
+    </cs:fontRef>
+    <cs:defRPr sz="1330" kern="1200"/>
+  </cs:axisTitle>
+  <cs:categoryAxis>
+    <cs:lnRef idx="0"/>
+    <cs:fillRef idx="0"/>
+    <cs:effectRef idx="0"/>
+    <cs:fontRef idx="minor">
+      <a:schemeClr val="tx1">
+        <a:lumMod val="65000"/>
+        <a:lumOff val="35000"/>
+      </a:schemeClr>
+    </cs:fontRef>
+    <cs:spPr>
+      <a:ln w="9525" cap="flat" cmpd="sng" algn="ctr">
+        <a:solidFill>
+          <a:schemeClr val="tx1">
+            <a:lumMod val="15000"/>
+            <a:lumOff val="85000"/>
+          </a:schemeClr>
+        </a:solidFill>
+        <a:round/>
+      </a:ln>
+    </cs:spPr>
+    <cs:defRPr sz="1197" kern="1200"/>
+  </cs:categoryAxis>
+  <cs:chartArea mods="allowNoFillOverride allowNoLineOverride">
+    <cs:lnRef idx="0"/>
+    <cs:fillRef idx="0"/>
+    <cs:effectRef idx="0"/>
+    <cs:fontRef idx="minor">
+      <a:schemeClr val="tx1"/>
+    </cs:fontRef>
+    <cs:spPr>
+      <a:solidFill>
+        <a:schemeClr val="bg1"/>
+      </a:solidFill>
+      <a:ln w="9525" cap="flat" cmpd="sng" algn="ctr">
+        <a:solidFill>
+          <a:schemeClr val="tx1">
+            <a:lumMod val="15000"/>
+            <a:lumOff val="85000"/>
+          </a:schemeClr>
+        </a:solidFill>
+        <a:round/>
+      </a:ln>
+    </cs:spPr>
+    <cs:defRPr sz="1197" kern="1200"/>
+  </cs:chartArea>
+  <cs:dataLabel>
+    <cs:lnRef idx="0"/>
+    <cs:fillRef idx="0"/>
+    <cs:effectRef idx="0"/>
+    <cs:fontRef idx="minor">
+      <a:schemeClr val="tx1">
+        <a:lumMod val="75000"/>
+        <a:lumOff val="25000"/>
+      </a:schemeClr>
+    </cs:fontRef>
+    <cs:defRPr sz="1197" kern="1200"/>
+  </cs:dataLabel>
+  <cs:dataLabelCallout>
+    <cs:lnRef idx="0"/>
+    <cs:fillRef idx="0"/>
+    <cs:effectRef idx="0"/>
+    <cs:fontRef idx="minor">
+      <a:schemeClr val="dk1">
+        <a:lumMod val="65000"/>
+        <a:lumOff val="35000"/>
+      </a:schemeClr>
+    </cs:fontRef>
+    <cs:spPr>
+      <a:solidFill>
+        <a:schemeClr val="lt1"/>
+      </a:solidFill>
+      <a:ln>
+        <a:solidFill>
+          <a:schemeClr val="dk1">
+            <a:lumMod val="25000"/>
+            <a:lumOff val="75000"/>
+          </a:schemeClr>
+        </a:solidFill>
+      </a:ln>
+    </cs:spPr>
+    <cs:defRPr sz="1197" kern="1200"/>
+    <cs:bodyPr rot="0" spcFirstLastPara="1" vertOverflow="clip" horzOverflow="clip" vert="horz" wrap="square" lIns="36576" tIns="18288" rIns="36576" bIns="18288" anchor="ctr" anchorCtr="1">
+      <a:spAutoFit/>
+    </cs:bodyPr>
+  </cs:dataLabelCallout>
+  <cs:dataPoint>
+    <cs:lnRef idx="0"/>
+    <cs:fillRef idx="1">
+      <cs:styleClr val="auto"/>
+    </cs:fillRef>
+    <cs:effectRef idx="0"/>
+    <cs:fontRef idx="minor">
+      <a:schemeClr val="tx1"/>
+    </cs:fontRef>
+    <cs:spPr>
+      <a:ln w="19050">
+        <a:solidFill>
+          <a:schemeClr val="lt1"/>
+        </a:solidFill>
+      </a:ln>
+    </cs:spPr>
+  </cs:dataPoint>
+  <cs:dataPoint3D>
+    <cs:lnRef idx="0"/>
+    <cs:fillRef idx="1">
+      <cs:styleClr val="auto"/>
+    </cs:fillRef>
+    <cs:effectRef idx="0"/>
+    <cs:fontRef idx="minor">
+      <a:schemeClr val="tx1"/>
+    </cs:fontRef>
+    <cs:spPr>
+      <a:ln w="25400">
+        <a:solidFill>
+          <a:schemeClr val="lt1"/>
+        </a:solidFill>
+      </a:ln>
+    </cs:spPr>
+  </cs:dataPoint3D>
+  <cs:dataPointLine>
+    <cs:lnRef idx="0">
+      <cs:styleClr val="auto"/>
+    </cs:lnRef>
+    <cs:fillRef idx="0"/>
+    <cs:effectRef idx="0"/>
+    <cs:fontRef idx="minor">
+      <a:schemeClr val="tx1"/>
+    </cs:fontRef>
+    <cs:spPr>
+      <a:ln w="28575" cap="rnd">
+        <a:solidFill>
+          <a:schemeClr val="phClr"/>
+        </a:solidFill>
+        <a:round/>
+      </a:ln>
+    </cs:spPr>
+  </cs:dataPointLine>
+  <cs:dataPointMarker>
+    <cs:lnRef idx="0">
+      <cs:styleClr val="auto"/>
+    </cs:lnRef>
+    <cs:fillRef idx="1">
+      <cs:styleClr val="auto"/>
+    </cs:fillRef>
+    <cs:effectRef idx="0"/>
+    <cs:fontRef idx="minor">
+      <a:schemeClr val="tx1"/>
+    </cs:fontRef>
+    <cs:spPr>
+      <a:ln w="9525">
+        <a:solidFill>
+          <a:schemeClr val="phClr"/>
+        </a:solidFill>
+      </a:ln>
+    </cs:spPr>
+  </cs:dataPointMarker>
+  <cs:dataPointMarkerLayout symbol="circle" size="5"/>
+  <cs:dataPointWireframe>
+    <cs:lnRef idx="0">
+      <cs:styleClr val="auto"/>
+    </cs:lnRef>
+    <cs:fillRef idx="0"/>
+    <cs:effectRef idx="0"/>
+    <cs:fontRef idx="minor">
+      <a:schemeClr val="tx1"/>
+    </cs:fontRef>
+    <cs:spPr>
+      <a:ln w="9525" cap="rnd">
+        <a:solidFill>
+          <a:schemeClr val="phClr"/>
+        </a:solidFill>
+        <a:round/>
+      </a:ln>
+    </cs:spPr>
+  </cs:dataPointWireframe>
+  <cs:dataTable>
+    <cs:lnRef idx="0"/>
+    <cs:fillRef idx="0"/>
+    <cs:effectRef idx="0"/>
+    <cs:fontRef idx="minor">
+      <a:schemeClr val="tx1">
+        <a:lumMod val="65000"/>
+        <a:lumOff val="35000"/>
+      </a:schemeClr>
+    </cs:fontRef>
+    <cs:spPr>
+      <a:noFill/>
+      <a:ln w="9525" cap="flat" cmpd="sng" algn="ctr">
+        <a:solidFill>
+          <a:schemeClr val="tx1">
+            <a:lumMod val="15000"/>
+            <a:lumOff val="85000"/>
+          </a:schemeClr>
+        </a:solidFill>
+        <a:round/>
+      </a:ln>
+    </cs:spPr>
+    <cs:defRPr sz="1197" kern="1200"/>
+  </cs:dataTable>
+  <cs:downBar>
+    <cs:lnRef idx="0"/>
+    <cs:fillRef idx="0"/>
+    <cs:effectRef idx="0"/>
+    <cs:fontRef idx="minor">
+      <a:schemeClr val="tx1"/>
+    </cs:fontRef>
+    <cs:spPr>
+      <a:solidFill>
+        <a:schemeClr val="dk1">
+          <a:lumMod val="75000"/>
+          <a:lumOff val="25000"/>
+        </a:schemeClr>
+      </a:solidFill>
+      <a:ln w="9525" cap="flat" cmpd="sng" algn="ctr">
+        <a:solidFill>
+          <a:schemeClr val="tx1">
+            <a:lumMod val="65000"/>
+            <a:lumOff val="35000"/>
+          </a:schemeClr>
+        </a:solidFill>
+        <a:round/>
+      </a:ln>
+    </cs:spPr>
+  </cs:downBar>
+  <cs:dropLine>
+    <cs:lnRef idx="0"/>
+    <cs:fillRef idx="0"/>
+    <cs:effectRef idx="0"/>
+    <cs:fontRef idx="minor">
+      <a:schemeClr val="tx1"/>
+    </cs:fontRef>
+    <cs:spPr>
+      <a:ln w="9525" cap="flat" cmpd="sng" algn="ctr">
+        <a:solidFill>
+          <a:schemeClr val="tx1">
+            <a:lumMod val="35000"/>
+            <a:lumOff val="65000"/>
+          </a:schemeClr>
+        </a:solidFill>
+        <a:round/>
+      </a:ln>
+    </cs:spPr>
+  </cs:dropLine>
+  <cs:errorBar>
+    <cs:lnRef idx="0"/>
+    <cs:fillRef idx="0"/>
+    <cs:effectRef idx="0"/>
+    <cs:fontRef idx="minor">
+      <a:schemeClr val="tx1"/>
+    </cs:fontRef>
+    <cs:spPr>
+      <a:ln w="9525" cap="flat" cmpd="sng" algn="ctr">
+        <a:solidFill>
+          <a:schemeClr val="tx1">
+            <a:lumMod val="65000"/>
+            <a:lumOff val="35000"/>
+          </a:schemeClr>
+        </a:solidFill>
+        <a:round/>
+      </a:ln>
+    </cs:spPr>
+  </cs:errorBar>
+  <cs:floor>
+    <cs:lnRef idx="0"/>
+    <cs:fillRef idx="0"/>
+    <cs:effectRef idx="0"/>
+    <cs:fontRef idx="minor">
+      <a:schemeClr val="tx1"/>
+    </cs:fontRef>
+    <cs:spPr>
+      <a:noFill/>
+      <a:ln>
+        <a:noFill/>
+      </a:ln>
+    </cs:spPr>
+  </cs:floor>
+  <cs:gridlineMajor>
+    <cs:lnRef idx="0"/>
+    <cs:fillRef idx="0"/>
+    <cs:effectRef idx="0"/>
+    <cs:fontRef idx="minor">
+      <a:schemeClr val="tx1"/>
+    </cs:fontRef>
+    <cs:spPr>
+      <a:ln w="9525" cap="flat" cmpd="sng" algn="ctr">
+        <a:solidFill>
+          <a:schemeClr val="tx1">
+            <a:lumMod val="15000"/>
+            <a:lumOff val="85000"/>
+          </a:schemeClr>
+        </a:solidFill>
+        <a:round/>
+      </a:ln>
+    </cs:spPr>
+  </cs:gridlineMajor>
+  <cs:gridlineMinor>
+    <cs:lnRef idx="0"/>
+    <cs:fillRef idx="0"/>
+    <cs:effectRef idx="0"/>
+    <cs:fontRef idx="minor">
+      <a:schemeClr val="tx1"/>
+    </cs:fontRef>
+    <cs:spPr>
+      <a:ln w="9525" cap="flat" cmpd="sng" algn="ctr">
+        <a:solidFill>
+          <a:schemeClr val="tx1">
+            <a:lumMod val="5000"/>
+            <a:lumOff val="95000"/>
+          </a:schemeClr>
+        </a:solidFill>
+        <a:round/>
+      </a:ln>
+    </cs:spPr>
+  </cs:gridlineMinor>
+  <cs:hiLoLine>
+    <cs:lnRef idx="0"/>
+    <cs:fillRef idx="0"/>
+    <cs:effectRef idx="0"/>
+    <cs:fontRef idx="minor">
+      <a:schemeClr val="tx1"/>
+    </cs:fontRef>
+    <cs:spPr>
+      <a:ln w="9525" cap="flat" cmpd="sng" algn="ctr">
+        <a:solidFill>
+          <a:schemeClr val="tx1">
+            <a:lumMod val="50000"/>
+            <a:lumOff val="50000"/>
+          </a:schemeClr>
+        </a:solidFill>
+        <a:round/>
+      </a:ln>
+    </cs:spPr>
+  </cs:hiLoLine>
+  <cs:leaderLine>
+    <cs:lnRef idx="0"/>
+    <cs:fillRef idx="0"/>
+    <cs:effectRef idx="0"/>
+    <cs:fontRef idx="minor">
+      <a:schemeClr val="tx1"/>
+    </cs:fontRef>
+    <cs:spPr>
+      <a:ln w="9525" cap="flat" cmpd="sng" algn="ctr">
+        <a:solidFill>
+          <a:schemeClr val="tx1">
+            <a:lumMod val="35000"/>
+            <a:lumOff val="65000"/>
+          </a:schemeClr>
+        </a:solidFill>
+        <a:round/>
+      </a:ln>
+    </cs:spPr>
+  </cs:leaderLine>
+  <cs:legend>
+    <cs:lnRef idx="0"/>
+    <cs:fillRef idx="0"/>
+    <cs:effectRef idx="0"/>
+    <cs:fontRef idx="minor">
+      <a:schemeClr val="tx1">
+        <a:lumMod val="65000"/>
+        <a:lumOff val="35000"/>
+      </a:schemeClr>
+    </cs:fontRef>
+    <cs:defRPr sz="1197" kern="1200"/>
+  </cs:legend>
+  <cs:plotArea mods="allowNoFillOverride allowNoLineOverride">
+    <cs:lnRef idx="0"/>
+    <cs:fillRef idx="0"/>
+    <cs:effectRef idx="0"/>
+    <cs:fontRef idx="minor">
+      <a:schemeClr val="tx1"/>
+    </cs:fontRef>
+  </cs:plotArea>
+  <cs:plotArea3D mods="allowNoFillOverride allowNoLineOverride">
+    <cs:lnRef idx="0"/>
+    <cs:fillRef idx="0"/>
+    <cs:effectRef idx="0"/>
+    <cs:fontRef idx="minor">
+      <a:schemeClr val="tx1"/>
+    </cs:fontRef>
+  </cs:plotArea3D>
+  <cs:seriesAxis>
+    <cs:lnRef idx="0"/>
+    <cs:fillRef idx="0"/>
+    <cs:effectRef idx="0"/>
+    <cs:fontRef idx="minor">
+      <a:schemeClr val="tx1">
+        <a:lumMod val="65000"/>
+        <a:lumOff val="35000"/>
+      </a:schemeClr>
+    </cs:fontRef>
+    <cs:defRPr sz="1197" kern="1200"/>
+  </cs:seriesAxis>
+  <cs:seriesLine>
+    <cs:lnRef idx="0"/>
+    <cs:fillRef idx="0"/>
+    <cs:effectRef idx="0"/>
+    <cs:fontRef idx="minor">
+      <a:schemeClr val="tx1"/>
+    </cs:fontRef>
+    <cs:spPr>
+      <a:ln w="9525" cap="flat" cmpd="sng" algn="ctr">
+        <a:solidFill>
+          <a:schemeClr val="tx1">
+            <a:lumMod val="35000"/>
+            <a:lumOff val="65000"/>
+          </a:schemeClr>
+        </a:solidFill>
+        <a:round/>
+      </a:ln>
+    </cs:spPr>
+  </cs:seriesLine>
+  <cs:title>
+    <cs:lnRef idx="0"/>
+    <cs:fillRef idx="0"/>
+    <cs:effectRef idx="0"/>
+    <cs:fontRef idx="minor">
+      <a:schemeClr val="tx1">
+        <a:lumMod val="65000"/>
+        <a:lumOff val="35000"/>
+      </a:schemeClr>
+    </cs:fontRef>
+    <cs:defRPr sz="1862" b="0" kern="1200" spc="0" baseline="0"/>
+  </cs:title>
+  <cs:trendline>
+    <cs:lnRef idx="0">
+      <cs:styleClr val="auto"/>
+    </cs:lnRef>
+    <cs:fillRef idx="0"/>
+    <cs:effectRef idx="0"/>
+    <cs:fontRef idx="minor">
+      <a:schemeClr val="tx1"/>
+    </cs:fontRef>
+    <cs:spPr>
+      <a:ln w="19050" cap="rnd">
+        <a:solidFill>
+          <a:schemeClr val="phClr"/>
+        </a:solidFill>
+        <a:prstDash val="sysDot"/>
+      </a:ln>
+    </cs:spPr>
+  </cs:trendline>
+  <cs:trendlineLabel>
+    <cs:lnRef idx="0"/>
+    <cs:fillRef idx="0"/>
+    <cs:effectRef idx="0"/>
+    <cs:fontRef idx="minor">
+      <a:schemeClr val="tx1">
+        <a:lumMod val="65000"/>
+        <a:lumOff val="35000"/>
+      </a:schemeClr>
+    </cs:fontRef>
+    <cs:defRPr sz="1197" kern="1200"/>
+  </cs:trendlineLabel>
+  <cs:upBar>
+    <cs:lnRef idx="0"/>
+    <cs:fillRef idx="0"/>
+    <cs:effectRef idx="0"/>
+    <cs:fontRef idx="minor">
+      <a:schemeClr val="tx1"/>
+    </cs:fontRef>
+    <cs:spPr>
+      <a:solidFill>
+        <a:schemeClr val="lt1"/>
+      </a:solidFill>
+      <a:ln w="9525" cap="flat" cmpd="sng" algn="ctr">
+        <a:solidFill>
+          <a:schemeClr val="tx1">
+            <a:lumMod val="65000"/>
+            <a:lumOff val="35000"/>
+          </a:schemeClr>
+        </a:solidFill>
+        <a:round/>
+      </a:ln>
+    </cs:spPr>
+  </cs:upBar>
+  <cs:valueAxis>
+    <cs:lnRef idx="0"/>
+    <cs:fillRef idx="0"/>
+    <cs:effectRef idx="0"/>
+    <cs:fontRef idx="minor">
+      <a:schemeClr val="tx1">
+        <a:lumMod val="65000"/>
+        <a:lumOff val="35000"/>
+      </a:schemeClr>
+    </cs:fontRef>
+    <cs:defRPr sz="1197" kern="1200"/>
+  </cs:valueAxis>
+  <cs:wall>
+    <cs:lnRef idx="0"/>
+    <cs:fillRef idx="0"/>
+    <cs:effectRef idx="0"/>
+    <cs:fontRef idx="minor">
+      <a:schemeClr val="tx1"/>
+    </cs:fontRef>
+    <cs:spPr>
+      <a:noFill/>
+      <a:ln>
+        <a:noFill/>
+      </a:ln>
+    </cs:spPr>
+  </cs:wall>
+</cs:chartStyle>
+</file>
+
+<file path=ppt/charts/style7.xml><?xml version="1.0" encoding="utf-8"?>
+<cs:chartStyle xmlns:cs="http://schemas.microsoft.com/office/drawing/2012/chartStyle" xmlns:a="http://schemas.openxmlformats.org/drawingml/2006/main" id="251">
+  <cs:axisTitle>
+    <cs:lnRef idx="0"/>
+    <cs:fillRef idx="0"/>
+    <cs:effectRef idx="0"/>
+    <cs:fontRef idx="minor">
+      <a:schemeClr val="tx1">
+        <a:lumMod val="65000"/>
+        <a:lumOff val="35000"/>
+      </a:schemeClr>
+    </cs:fontRef>
+    <cs:defRPr sz="1330" kern="1200"/>
+  </cs:axisTitle>
+  <cs:categoryAxis>
+    <cs:lnRef idx="0"/>
+    <cs:fillRef idx="0"/>
+    <cs:effectRef idx="0"/>
+    <cs:fontRef idx="minor">
+      <a:schemeClr val="tx1">
+        <a:lumMod val="65000"/>
+        <a:lumOff val="35000"/>
+      </a:schemeClr>
+    </cs:fontRef>
+    <cs:spPr>
+      <a:ln w="9525" cap="flat" cmpd="sng" algn="ctr">
+        <a:solidFill>
+          <a:schemeClr val="tx1">
+            <a:lumMod val="15000"/>
+            <a:lumOff val="85000"/>
+          </a:schemeClr>
+        </a:solidFill>
+        <a:round/>
+      </a:ln>
+    </cs:spPr>
+    <cs:defRPr sz="1197" kern="1200"/>
+  </cs:categoryAxis>
+  <cs:chartArea mods="allowNoFillOverride allowNoLineOverride">
+    <cs:lnRef idx="0"/>
+    <cs:fillRef idx="0"/>
+    <cs:effectRef idx="0"/>
+    <cs:fontRef idx="minor">
+      <a:schemeClr val="tx1"/>
+    </cs:fontRef>
+    <cs:spPr>
+      <a:solidFill>
+        <a:schemeClr val="bg1"/>
+      </a:solidFill>
+      <a:ln w="9525" cap="flat" cmpd="sng" algn="ctr">
+        <a:solidFill>
+          <a:schemeClr val="tx1">
+            <a:lumMod val="15000"/>
+            <a:lumOff val="85000"/>
+          </a:schemeClr>
+        </a:solidFill>
+        <a:round/>
+      </a:ln>
+    </cs:spPr>
+    <cs:defRPr sz="1197" kern="1200"/>
+  </cs:chartArea>
+  <cs:dataLabel>
+    <cs:lnRef idx="0"/>
+    <cs:fillRef idx="0"/>
+    <cs:effectRef idx="0"/>
+    <cs:fontRef idx="minor">
+      <a:schemeClr val="tx1">
+        <a:lumMod val="75000"/>
+        <a:lumOff val="25000"/>
+      </a:schemeClr>
+    </cs:fontRef>
+    <cs:defRPr sz="1197" kern="1200"/>
+  </cs:dataLabel>
+  <cs:dataLabelCallout>
+    <cs:lnRef idx="0"/>
+    <cs:fillRef idx="0"/>
+    <cs:effectRef idx="0"/>
+    <cs:fontRef idx="minor">
+      <a:schemeClr val="dk1">
+        <a:lumMod val="65000"/>
+        <a:lumOff val="35000"/>
+      </a:schemeClr>
+    </cs:fontRef>
+    <cs:spPr>
+      <a:solidFill>
+        <a:schemeClr val="lt1"/>
+      </a:solidFill>
+      <a:ln>
+        <a:solidFill>
+          <a:schemeClr val="dk1">
+            <a:lumMod val="25000"/>
+            <a:lumOff val="75000"/>
+          </a:schemeClr>
+        </a:solidFill>
+      </a:ln>
+    </cs:spPr>
+    <cs:defRPr sz="1197" kern="1200"/>
+    <cs:bodyPr rot="0" spcFirstLastPara="1" vertOverflow="clip" horzOverflow="clip" vert="horz" wrap="square" lIns="36576" tIns="18288" rIns="36576" bIns="18288" anchor="ctr" anchorCtr="1">
+      <a:spAutoFit/>
+    </cs:bodyPr>
+  </cs:dataLabelCallout>
+  <cs:dataPoint>
+    <cs:lnRef idx="0"/>
+    <cs:fillRef idx="1">
+      <cs:styleClr val="auto"/>
+    </cs:fillRef>
+    <cs:effectRef idx="0"/>
+    <cs:fontRef idx="minor">
+      <a:schemeClr val="tx1"/>
+    </cs:fontRef>
+    <cs:spPr>
+      <a:ln w="19050">
+        <a:solidFill>
+          <a:schemeClr val="lt1"/>
+        </a:solidFill>
+      </a:ln>
+    </cs:spPr>
+  </cs:dataPoint>
+  <cs:dataPoint3D>
+    <cs:lnRef idx="0"/>
+    <cs:fillRef idx="1">
+      <cs:styleClr val="auto"/>
+    </cs:fillRef>
+    <cs:effectRef idx="0"/>
+    <cs:fontRef idx="minor">
+      <a:schemeClr val="tx1"/>
+    </cs:fontRef>
+    <cs:spPr>
+      <a:ln w="25400">
+        <a:solidFill>
+          <a:schemeClr val="lt1"/>
+        </a:solidFill>
+      </a:ln>
+    </cs:spPr>
+  </cs:dataPoint3D>
+  <cs:dataPointLine>
+    <cs:lnRef idx="0">
+      <cs:styleClr val="auto"/>
+    </cs:lnRef>
+    <cs:fillRef idx="0"/>
+    <cs:effectRef idx="0"/>
+    <cs:fontRef idx="minor">
+      <a:schemeClr val="tx1"/>
+    </cs:fontRef>
+    <cs:spPr>
+      <a:ln w="28575" cap="rnd">
+        <a:solidFill>
+          <a:schemeClr val="phClr"/>
+        </a:solidFill>
+        <a:round/>
+      </a:ln>
+    </cs:spPr>
+  </cs:dataPointLine>
+  <cs:dataPointMarker>
+    <cs:lnRef idx="0">
+      <cs:styleClr val="auto"/>
+    </cs:lnRef>
+    <cs:fillRef idx="1">
+      <cs:styleClr val="auto"/>
+    </cs:fillRef>
+    <cs:effectRef idx="0"/>
+    <cs:fontRef idx="minor">
+      <a:schemeClr val="tx1"/>
+    </cs:fontRef>
+    <cs:spPr>
+      <a:ln w="9525">
+        <a:solidFill>
+          <a:schemeClr val="phClr"/>
+        </a:solidFill>
+      </a:ln>
+    </cs:spPr>
+  </cs:dataPointMarker>
+  <cs:dataPointMarkerLayout symbol="circle" size="5"/>
+  <cs:dataPointWireframe>
+    <cs:lnRef idx="0">
+      <cs:styleClr val="auto"/>
+    </cs:lnRef>
+    <cs:fillRef idx="0"/>
+    <cs:effectRef idx="0"/>
+    <cs:fontRef idx="minor">
+      <a:schemeClr val="tx1"/>
+    </cs:fontRef>
+    <cs:spPr>
+      <a:ln w="9525" cap="rnd">
+        <a:solidFill>
+          <a:schemeClr val="phClr"/>
+        </a:solidFill>
+        <a:round/>
+      </a:ln>
+    </cs:spPr>
+  </cs:dataPointWireframe>
+  <cs:dataTable>
+    <cs:lnRef idx="0"/>
+    <cs:fillRef idx="0"/>
+    <cs:effectRef idx="0"/>
+    <cs:fontRef idx="minor">
+      <a:schemeClr val="tx1">
+        <a:lumMod val="65000"/>
+        <a:lumOff val="35000"/>
+      </a:schemeClr>
+    </cs:fontRef>
+    <cs:spPr>
+      <a:noFill/>
+      <a:ln w="9525" cap="flat" cmpd="sng" algn="ctr">
+        <a:solidFill>
+          <a:schemeClr val="tx1">
+            <a:lumMod val="15000"/>
+            <a:lumOff val="85000"/>
+          </a:schemeClr>
+        </a:solidFill>
+        <a:round/>
+      </a:ln>
+    </cs:spPr>
+    <cs:defRPr sz="1197" kern="1200"/>
+  </cs:dataTable>
+  <cs:downBar>
+    <cs:lnRef idx="0"/>
+    <cs:fillRef idx="0"/>
+    <cs:effectRef idx="0"/>
+    <cs:fontRef idx="minor">
+      <a:schemeClr val="tx1"/>
+    </cs:fontRef>
+    <cs:spPr>
+      <a:solidFill>
+        <a:schemeClr val="dk1">
+          <a:lumMod val="75000"/>
+          <a:lumOff val="25000"/>
+        </a:schemeClr>
+      </a:solidFill>
+      <a:ln w="9525" cap="flat" cmpd="sng" algn="ctr">
+        <a:solidFill>
+          <a:schemeClr val="tx1">
+            <a:lumMod val="65000"/>
+            <a:lumOff val="35000"/>
+          </a:schemeClr>
+        </a:solidFill>
+        <a:round/>
+      </a:ln>
+    </cs:spPr>
+  </cs:downBar>
+  <cs:dropLine>
+    <cs:lnRef idx="0"/>
+    <cs:fillRef idx="0"/>
+    <cs:effectRef idx="0"/>
+    <cs:fontRef idx="minor">
+      <a:schemeClr val="tx1"/>
+    </cs:fontRef>
+    <cs:spPr>
+      <a:ln w="9525" cap="flat" cmpd="sng" algn="ctr">
+        <a:solidFill>
+          <a:schemeClr val="tx1">
+            <a:lumMod val="35000"/>
+            <a:lumOff val="65000"/>
+          </a:schemeClr>
+        </a:solidFill>
+        <a:round/>
+      </a:ln>
+    </cs:spPr>
+  </cs:dropLine>
+  <cs:errorBar>
+    <cs:lnRef idx="0"/>
+    <cs:fillRef idx="0"/>
+    <cs:effectRef idx="0"/>
+    <cs:fontRef idx="minor">
+      <a:schemeClr val="tx1"/>
+    </cs:fontRef>
+    <cs:spPr>
+      <a:ln w="9525" cap="flat" cmpd="sng" algn="ctr">
+        <a:solidFill>
+          <a:schemeClr val="tx1">
+            <a:lumMod val="65000"/>
+            <a:lumOff val="35000"/>
+          </a:schemeClr>
+        </a:solidFill>
+        <a:round/>
+      </a:ln>
+    </cs:spPr>
+  </cs:errorBar>
+  <cs:floor>
+    <cs:lnRef idx="0"/>
+    <cs:fillRef idx="0"/>
+    <cs:effectRef idx="0"/>
+    <cs:fontRef idx="minor">
+      <a:schemeClr val="tx1"/>
+    </cs:fontRef>
+    <cs:spPr>
+      <a:noFill/>
+      <a:ln>
+        <a:noFill/>
+      </a:ln>
+    </cs:spPr>
+  </cs:floor>
+  <cs:gridlineMajor>
+    <cs:lnRef idx="0"/>
+    <cs:fillRef idx="0"/>
+    <cs:effectRef idx="0"/>
+    <cs:fontRef idx="minor">
+      <a:schemeClr val="tx1"/>
+    </cs:fontRef>
+    <cs:spPr>
+      <a:ln w="9525" cap="flat" cmpd="sng" algn="ctr">
+        <a:solidFill>
+          <a:schemeClr val="tx1">
+            <a:lumMod val="15000"/>
+            <a:lumOff val="85000"/>
+          </a:schemeClr>
+        </a:solidFill>
+        <a:round/>
+      </a:ln>
+    </cs:spPr>
+  </cs:gridlineMajor>
+  <cs:gridlineMinor>
+    <cs:lnRef idx="0"/>
+    <cs:fillRef idx="0"/>
+    <cs:effectRef idx="0"/>
+    <cs:fontRef idx="minor">
+      <a:schemeClr val="tx1"/>
+    </cs:fontRef>
+    <cs:spPr>
+      <a:ln w="9525" cap="flat" cmpd="sng" algn="ctr">
+        <a:solidFill>
+          <a:schemeClr val="tx1">
+            <a:lumMod val="5000"/>
+            <a:lumOff val="95000"/>
+          </a:schemeClr>
+        </a:solidFill>
+        <a:round/>
+      </a:ln>
+    </cs:spPr>
+  </cs:gridlineMinor>
+  <cs:hiLoLine>
+    <cs:lnRef idx="0"/>
+    <cs:fillRef idx="0"/>
+    <cs:effectRef idx="0"/>
+    <cs:fontRef idx="minor">
+      <a:schemeClr val="tx1"/>
+    </cs:fontRef>
+    <cs:spPr>
+      <a:ln w="9525" cap="flat" cmpd="sng" algn="ctr">
+        <a:solidFill>
+          <a:schemeClr val="tx1">
+            <a:lumMod val="50000"/>
+            <a:lumOff val="50000"/>
+          </a:schemeClr>
+        </a:solidFill>
+        <a:round/>
+      </a:ln>
+    </cs:spPr>
+  </cs:hiLoLine>
+  <cs:leaderLine>
+    <cs:lnRef idx="0"/>
+    <cs:fillRef idx="0"/>
+    <cs:effectRef idx="0"/>
+    <cs:fontRef idx="minor">
+      <a:schemeClr val="tx1"/>
+    </cs:fontRef>
+    <cs:spPr>
+      <a:ln w="9525" cap="flat" cmpd="sng" algn="ctr">
+        <a:solidFill>
+          <a:schemeClr val="tx1">
+            <a:lumMod val="35000"/>
+            <a:lumOff val="65000"/>
+          </a:schemeClr>
+        </a:solidFill>
+        <a:round/>
+      </a:ln>
+    </cs:spPr>
+  </cs:leaderLine>
+  <cs:legend>
+    <cs:lnRef idx="0"/>
+    <cs:fillRef idx="0"/>
+    <cs:effectRef idx="0"/>
+    <cs:fontRef idx="minor">
+      <a:schemeClr val="tx1">
+        <a:lumMod val="65000"/>
+        <a:lumOff val="35000"/>
+      </a:schemeClr>
+    </cs:fontRef>
+    <cs:defRPr sz="1197" kern="1200"/>
+  </cs:legend>
+  <cs:plotArea mods="allowNoFillOverride allowNoLineOverride">
+    <cs:lnRef idx="0"/>
+    <cs:fillRef idx="0"/>
+    <cs:effectRef idx="0"/>
+    <cs:fontRef idx="minor">
+      <a:schemeClr val="tx1"/>
+    </cs:fontRef>
+  </cs:plotArea>
+  <cs:plotArea3D mods="allowNoFillOverride allowNoLineOverride">
+    <cs:lnRef idx="0"/>
+    <cs:fillRef idx="0"/>
+    <cs:effectRef idx="0"/>
+    <cs:fontRef idx="minor">
+      <a:schemeClr val="tx1"/>
+    </cs:fontRef>
+  </cs:plotArea3D>
+  <cs:seriesAxis>
+    <cs:lnRef idx="0"/>
+    <cs:fillRef idx="0"/>
+    <cs:effectRef idx="0"/>
+    <cs:fontRef idx="minor">
+      <a:schemeClr val="tx1">
+        <a:lumMod val="65000"/>
+        <a:lumOff val="35000"/>
+      </a:schemeClr>
+    </cs:fontRef>
+    <cs:defRPr sz="1197" kern="1200"/>
+  </cs:seriesAxis>
+  <cs:seriesLine>
+    <cs:lnRef idx="0"/>
+    <cs:fillRef idx="0"/>
+    <cs:effectRef idx="0"/>
+    <cs:fontRef idx="minor">
+      <a:schemeClr val="tx1"/>
+    </cs:fontRef>
+    <cs:spPr>
+      <a:ln w="9525" cap="flat" cmpd="sng" algn="ctr">
+        <a:solidFill>
+          <a:schemeClr val="tx1">
+            <a:lumMod val="35000"/>
+            <a:lumOff val="65000"/>
+          </a:schemeClr>
+        </a:solidFill>
+        <a:round/>
+      </a:ln>
+    </cs:spPr>
+  </cs:seriesLine>
+  <cs:title>
+    <cs:lnRef idx="0"/>
+    <cs:fillRef idx="0"/>
+    <cs:effectRef idx="0"/>
+    <cs:fontRef idx="minor">
+      <a:schemeClr val="tx1">
+        <a:lumMod val="65000"/>
+        <a:lumOff val="35000"/>
+      </a:schemeClr>
+    </cs:fontRef>
+    <cs:defRPr sz="1862" b="0" kern="1200" spc="0" baseline="0"/>
+  </cs:title>
+  <cs:trendline>
+    <cs:lnRef idx="0">
+      <cs:styleClr val="auto"/>
+    </cs:lnRef>
+    <cs:fillRef idx="0"/>
+    <cs:effectRef idx="0"/>
+    <cs:fontRef idx="minor">
+      <a:schemeClr val="tx1"/>
+    </cs:fontRef>
+    <cs:spPr>
+      <a:ln w="19050" cap="rnd">
+        <a:solidFill>
+          <a:schemeClr val="phClr"/>
+        </a:solidFill>
+        <a:prstDash val="sysDot"/>
+      </a:ln>
+    </cs:spPr>
+  </cs:trendline>
+  <cs:trendlineLabel>
+    <cs:lnRef idx="0"/>
+    <cs:fillRef idx="0"/>
+    <cs:effectRef idx="0"/>
+    <cs:fontRef idx="minor">
+      <a:schemeClr val="tx1">
+        <a:lumMod val="65000"/>
+        <a:lumOff val="35000"/>
+      </a:schemeClr>
+    </cs:fontRef>
+    <cs:defRPr sz="1197" kern="1200"/>
+  </cs:trendlineLabel>
+  <cs:upBar>
+    <cs:lnRef idx="0"/>
+    <cs:fillRef idx="0"/>
+    <cs:effectRef idx="0"/>
+    <cs:fontRef idx="minor">
+      <a:schemeClr val="tx1"/>
+    </cs:fontRef>
+    <cs:spPr>
+      <a:solidFill>
+        <a:schemeClr val="lt1"/>
+      </a:solidFill>
+      <a:ln w="9525" cap="flat" cmpd="sng" algn="ctr">
+        <a:solidFill>
+          <a:schemeClr val="tx1">
+            <a:lumMod val="65000"/>
+            <a:lumOff val="35000"/>
+          </a:schemeClr>
+        </a:solidFill>
+        <a:round/>
+      </a:ln>
+    </cs:spPr>
+  </cs:upBar>
+  <cs:valueAxis>
+    <cs:lnRef idx="0"/>
+    <cs:fillRef idx="0"/>
+    <cs:effectRef idx="0"/>
+    <cs:fontRef idx="minor">
+      <a:schemeClr val="tx1">
+        <a:lumMod val="65000"/>
+        <a:lumOff val="35000"/>
+      </a:schemeClr>
+    </cs:fontRef>
+    <cs:defRPr sz="1197" kern="1200"/>
+  </cs:valueAxis>
+  <cs:wall>
+    <cs:lnRef idx="0"/>
+    <cs:fillRef idx="0"/>
+    <cs:effectRef idx="0"/>
+    <cs:fontRef idx="minor">
+      <a:schemeClr val="tx1"/>
+    </cs:fontRef>
+    <cs:spPr>
+      <a:noFill/>
+      <a:ln>
+        <a:noFill/>
+      </a:ln>
+    </cs:spPr>
+  </cs:wall>
+</cs:chartStyle>
+</file>
+
+<file path=ppt/charts/style8.xml><?xml version="1.0" encoding="utf-8"?>
+<cs:chartStyle xmlns:cs="http://schemas.microsoft.com/office/drawing/2012/chartStyle" xmlns:a="http://schemas.openxmlformats.org/drawingml/2006/main" id="251">
+  <cs:axisTitle>
+    <cs:lnRef idx="0"/>
+    <cs:fillRef idx="0"/>
+    <cs:effectRef idx="0"/>
+    <cs:fontRef idx="minor">
+      <a:schemeClr val="tx1">
+        <a:lumMod val="65000"/>
+        <a:lumOff val="35000"/>
+      </a:schemeClr>
+    </cs:fontRef>
+    <cs:defRPr sz="1330" kern="1200"/>
+  </cs:axisTitle>
+  <cs:categoryAxis>
+    <cs:lnRef idx="0"/>
+    <cs:fillRef idx="0"/>
+    <cs:effectRef idx="0"/>
+    <cs:fontRef idx="minor">
+      <a:schemeClr val="tx1">
+        <a:lumMod val="65000"/>
+        <a:lumOff val="35000"/>
+      </a:schemeClr>
+    </cs:fontRef>
+    <cs:spPr>
+      <a:ln w="9525" cap="flat" cmpd="sng" algn="ctr">
+        <a:solidFill>
+          <a:schemeClr val="tx1">
+            <a:lumMod val="15000"/>
+            <a:lumOff val="85000"/>
+          </a:schemeClr>
+        </a:solidFill>
+        <a:round/>
+      </a:ln>
+    </cs:spPr>
+    <cs:defRPr sz="1197" kern="1200"/>
+  </cs:categoryAxis>
+  <cs:chartArea mods="allowNoFillOverride allowNoLineOverride">
+    <cs:lnRef idx="0"/>
+    <cs:fillRef idx="0"/>
+    <cs:effectRef idx="0"/>
+    <cs:fontRef idx="minor">
+      <a:schemeClr val="tx1"/>
+    </cs:fontRef>
+    <cs:spPr>
+      <a:solidFill>
+        <a:schemeClr val="bg1"/>
+      </a:solidFill>
+      <a:ln w="9525" cap="flat" cmpd="sng" algn="ctr">
+        <a:solidFill>
+          <a:schemeClr val="tx1">
+            <a:lumMod val="15000"/>
+            <a:lumOff val="85000"/>
+          </a:schemeClr>
+        </a:solidFill>
+        <a:round/>
+      </a:ln>
+    </cs:spPr>
+    <cs:defRPr sz="1197" kern="1200"/>
+  </cs:chartArea>
+  <cs:dataLabel>
+    <cs:lnRef idx="0"/>
+    <cs:fillRef idx="0"/>
+    <cs:effectRef idx="0"/>
+    <cs:fontRef idx="minor">
+      <a:schemeClr val="tx1">
+        <a:lumMod val="75000"/>
+        <a:lumOff val="25000"/>
+      </a:schemeClr>
+    </cs:fontRef>
+    <cs:defRPr sz="1197" kern="1200"/>
+  </cs:dataLabel>
+  <cs:dataLabelCallout>
+    <cs:lnRef idx="0"/>
+    <cs:fillRef idx="0"/>
+    <cs:effectRef idx="0"/>
+    <cs:fontRef idx="minor">
+      <a:schemeClr val="dk1">
+        <a:lumMod val="65000"/>
+        <a:lumOff val="35000"/>
+      </a:schemeClr>
+    </cs:fontRef>
+    <cs:spPr>
+      <a:solidFill>
+        <a:schemeClr val="lt1"/>
+      </a:solidFill>
+      <a:ln>
+        <a:solidFill>
+          <a:schemeClr val="dk1">
+            <a:lumMod val="25000"/>
+            <a:lumOff val="75000"/>
+          </a:schemeClr>
+        </a:solidFill>
+      </a:ln>
+    </cs:spPr>
+    <cs:defRPr sz="1197" kern="1200"/>
+    <cs:bodyPr rot="0" spcFirstLastPara="1" vertOverflow="clip" horzOverflow="clip" vert="horz" wrap="square" lIns="36576" tIns="18288" rIns="36576" bIns="18288" anchor="ctr" anchorCtr="1">
+      <a:spAutoFit/>
+    </cs:bodyPr>
+  </cs:dataLabelCallout>
+  <cs:dataPoint>
+    <cs:lnRef idx="0"/>
+    <cs:fillRef idx="1">
+      <cs:styleClr val="auto"/>
+    </cs:fillRef>
+    <cs:effectRef idx="0"/>
+    <cs:fontRef idx="minor">
+      <a:schemeClr val="tx1"/>
+    </cs:fontRef>
+    <cs:spPr>
+      <a:ln w="19050">
+        <a:solidFill>
+          <a:schemeClr val="lt1"/>
+        </a:solidFill>
+      </a:ln>
+    </cs:spPr>
+  </cs:dataPoint>
+  <cs:dataPoint3D>
+    <cs:lnRef idx="0"/>
+    <cs:fillRef idx="1">
+      <cs:styleClr val="auto"/>
+    </cs:fillRef>
+    <cs:effectRef idx="0"/>
+    <cs:fontRef idx="minor">
+      <a:schemeClr val="tx1"/>
+    </cs:fontRef>
+    <cs:spPr>
+      <a:ln w="25400">
+        <a:solidFill>
+          <a:schemeClr val="lt1"/>
+        </a:solidFill>
+      </a:ln>
+    </cs:spPr>
+  </cs:dataPoint3D>
+  <cs:dataPointLine>
+    <cs:lnRef idx="0">
+      <cs:styleClr val="auto"/>
+    </cs:lnRef>
+    <cs:fillRef idx="0"/>
+    <cs:effectRef idx="0"/>
+    <cs:fontRef idx="minor">
+      <a:schemeClr val="tx1"/>
+    </cs:fontRef>
+    <cs:spPr>
+      <a:ln w="28575" cap="rnd">
+        <a:solidFill>
+          <a:schemeClr val="phClr"/>
+        </a:solidFill>
+        <a:round/>
+      </a:ln>
+    </cs:spPr>
+  </cs:dataPointLine>
+  <cs:dataPointMarker>
+    <cs:lnRef idx="0">
+      <cs:styleClr val="auto"/>
+    </cs:lnRef>
+    <cs:fillRef idx="1">
+      <cs:styleClr val="auto"/>
+    </cs:fillRef>
+    <cs:effectRef idx="0"/>
+    <cs:fontRef idx="minor">
+      <a:schemeClr val="tx1"/>
+    </cs:fontRef>
+    <cs:spPr>
+      <a:ln w="9525">
+        <a:solidFill>
+          <a:schemeClr val="phClr"/>
+        </a:solidFill>
+      </a:ln>
+    </cs:spPr>
+  </cs:dataPointMarker>
+  <cs:dataPointMarkerLayout symbol="circle" size="5"/>
+  <cs:dataPointWireframe>
+    <cs:lnRef idx="0">
+      <cs:styleClr val="auto"/>
+    </cs:lnRef>
+    <cs:fillRef idx="0"/>
+    <cs:effectRef idx="0"/>
+    <cs:fontRef idx="minor">
+      <a:schemeClr val="tx1"/>
+    </cs:fontRef>
+    <cs:spPr>
+      <a:ln w="9525" cap="rnd">
+        <a:solidFill>
+          <a:schemeClr val="phClr"/>
+        </a:solidFill>
+        <a:round/>
+      </a:ln>
+    </cs:spPr>
+  </cs:dataPointWireframe>
+  <cs:dataTable>
+    <cs:lnRef idx="0"/>
+    <cs:fillRef idx="0"/>
+    <cs:effectRef idx="0"/>
+    <cs:fontRef idx="minor">
+      <a:schemeClr val="tx1">
+        <a:lumMod val="65000"/>
+        <a:lumOff val="35000"/>
+      </a:schemeClr>
+    </cs:fontRef>
+    <cs:spPr>
+      <a:noFill/>
+      <a:ln w="9525" cap="flat" cmpd="sng" algn="ctr">
+        <a:solidFill>
+          <a:schemeClr val="tx1">
+            <a:lumMod val="15000"/>
+            <a:lumOff val="85000"/>
+          </a:schemeClr>
+        </a:solidFill>
+        <a:round/>
+      </a:ln>
+    </cs:spPr>
+    <cs:defRPr sz="1197" kern="1200"/>
+  </cs:dataTable>
+  <cs:downBar>
+    <cs:lnRef idx="0"/>
+    <cs:fillRef idx="0"/>
+    <cs:effectRef idx="0"/>
+    <cs:fontRef idx="minor">
+      <a:schemeClr val="tx1"/>
+    </cs:fontRef>
+    <cs:spPr>
+      <a:solidFill>
+        <a:schemeClr val="dk1">
+          <a:lumMod val="75000"/>
+          <a:lumOff val="25000"/>
+        </a:schemeClr>
+      </a:solidFill>
+      <a:ln w="9525" cap="flat" cmpd="sng" algn="ctr">
+        <a:solidFill>
+          <a:schemeClr val="tx1">
+            <a:lumMod val="65000"/>
+            <a:lumOff val="35000"/>
+          </a:schemeClr>
+        </a:solidFill>
+        <a:round/>
+      </a:ln>
+    </cs:spPr>
+  </cs:downBar>
+  <cs:dropLine>
+    <cs:lnRef idx="0"/>
+    <cs:fillRef idx="0"/>
+    <cs:effectRef idx="0"/>
+    <cs:fontRef idx="minor">
+      <a:schemeClr val="tx1"/>
+    </cs:fontRef>
+    <cs:spPr>
+      <a:ln w="9525" cap="flat" cmpd="sng" algn="ctr">
+        <a:solidFill>
+          <a:schemeClr val="tx1">
+            <a:lumMod val="35000"/>
+            <a:lumOff val="65000"/>
+          </a:schemeClr>
+        </a:solidFill>
+        <a:round/>
+      </a:ln>
+    </cs:spPr>
+  </cs:dropLine>
+  <cs:errorBar>
+    <cs:lnRef idx="0"/>
+    <cs:fillRef idx="0"/>
+    <cs:effectRef idx="0"/>
+    <cs:fontRef idx="minor">
+      <a:schemeClr val="tx1"/>
+    </cs:fontRef>
+    <cs:spPr>
+      <a:ln w="9525" cap="flat" cmpd="sng" algn="ctr">
+        <a:solidFill>
+          <a:schemeClr val="tx1">
+            <a:lumMod val="65000"/>
+            <a:lumOff val="35000"/>
+          </a:schemeClr>
+        </a:solidFill>
+        <a:round/>
+      </a:ln>
+    </cs:spPr>
+  </cs:errorBar>
+  <cs:floor>
+    <cs:lnRef idx="0"/>
+    <cs:fillRef idx="0"/>
+    <cs:effectRef idx="0"/>
+    <cs:fontRef idx="minor">
+      <a:schemeClr val="tx1"/>
+    </cs:fontRef>
+    <cs:spPr>
+      <a:noFill/>
+      <a:ln>
+        <a:noFill/>
+      </a:ln>
+    </cs:spPr>
+  </cs:floor>
+  <cs:gridlineMajor>
+    <cs:lnRef idx="0"/>
+    <cs:fillRef idx="0"/>
+    <cs:effectRef idx="0"/>
+    <cs:fontRef idx="minor">
+      <a:schemeClr val="tx1"/>
+    </cs:fontRef>
+    <cs:spPr>
+      <a:ln w="9525" cap="flat" cmpd="sng" algn="ctr">
+        <a:solidFill>
+          <a:schemeClr val="tx1">
+            <a:lumMod val="15000"/>
+            <a:lumOff val="85000"/>
+          </a:schemeClr>
+        </a:solidFill>
+        <a:round/>
+      </a:ln>
+    </cs:spPr>
+  </cs:gridlineMajor>
+  <cs:gridlineMinor>
+    <cs:lnRef idx="0"/>
+    <cs:fillRef idx="0"/>
+    <cs:effectRef idx="0"/>
+    <cs:fontRef idx="minor">
+      <a:schemeClr val="tx1"/>
+    </cs:fontRef>
+    <cs:spPr>
+      <a:ln w="9525" cap="flat" cmpd="sng" algn="ctr">
+        <a:solidFill>
+          <a:schemeClr val="tx1">
+            <a:lumMod val="5000"/>
+            <a:lumOff val="95000"/>
+          </a:schemeClr>
+        </a:solidFill>
+        <a:round/>
+      </a:ln>
+    </cs:spPr>
+  </cs:gridlineMinor>
+  <cs:hiLoLine>
+    <cs:lnRef idx="0"/>
+    <cs:fillRef idx="0"/>
+    <cs:effectRef idx="0"/>
+    <cs:fontRef idx="minor">
+      <a:schemeClr val="tx1"/>
+    </cs:fontRef>
+    <cs:spPr>
+      <a:ln w="9525" cap="flat" cmpd="sng" algn="ctr">
+        <a:solidFill>
+          <a:schemeClr val="tx1">
+            <a:lumMod val="50000"/>
+            <a:lumOff val="50000"/>
+          </a:schemeClr>
+        </a:solidFill>
+        <a:round/>
+      </a:ln>
+    </cs:spPr>
+  </cs:hiLoLine>
+  <cs:leaderLine>
+    <cs:lnRef idx="0"/>
+    <cs:fillRef idx="0"/>
+    <cs:effectRef idx="0"/>
+    <cs:fontRef idx="minor">
+      <a:schemeClr val="tx1"/>
+    </cs:fontRef>
+    <cs:spPr>
+      <a:ln w="9525" cap="flat" cmpd="sng" algn="ctr">
+        <a:solidFill>
+          <a:schemeClr val="tx1">
+            <a:lumMod val="35000"/>
+            <a:lumOff val="65000"/>
+          </a:schemeClr>
+        </a:solidFill>
+        <a:round/>
+      </a:ln>
+    </cs:spPr>
+  </cs:leaderLine>
+  <cs:legend>
+    <cs:lnRef idx="0"/>
+    <cs:fillRef idx="0"/>
+    <cs:effectRef idx="0"/>
+    <cs:fontRef idx="minor">
+      <a:schemeClr val="tx1">
+        <a:lumMod val="65000"/>
+        <a:lumOff val="35000"/>
+      </a:schemeClr>
+    </cs:fontRef>
+    <cs:defRPr sz="1197" kern="1200"/>
+  </cs:legend>
+  <cs:plotArea mods="allowNoFillOverride allowNoLineOverride">
+    <cs:lnRef idx="0"/>
+    <cs:fillRef idx="0"/>
+    <cs:effectRef idx="0"/>
+    <cs:fontRef idx="minor">
+      <a:schemeClr val="tx1"/>
+    </cs:fontRef>
+  </cs:plotArea>
+  <cs:plotArea3D mods="allowNoFillOverride allowNoLineOverride">
+    <cs:lnRef idx="0"/>
+    <cs:fillRef idx="0"/>
+    <cs:effectRef idx="0"/>
+    <cs:fontRef idx="minor">
+      <a:schemeClr val="tx1"/>
+    </cs:fontRef>
+  </cs:plotArea3D>
+  <cs:seriesAxis>
+    <cs:lnRef idx="0"/>
+    <cs:fillRef idx="0"/>
+    <cs:effectRef idx="0"/>
+    <cs:fontRef idx="minor">
+      <a:schemeClr val="tx1">
+        <a:lumMod val="65000"/>
+        <a:lumOff val="35000"/>
+      </a:schemeClr>
+    </cs:fontRef>
+    <cs:defRPr sz="1197" kern="1200"/>
+  </cs:seriesAxis>
+  <cs:seriesLine>
+    <cs:lnRef idx="0"/>
+    <cs:fillRef idx="0"/>
+    <cs:effectRef idx="0"/>
+    <cs:fontRef idx="minor">
+      <a:schemeClr val="tx1"/>
+    </cs:fontRef>
+    <cs:spPr>
+      <a:ln w="9525" cap="flat" cmpd="sng" algn="ctr">
+        <a:solidFill>
+          <a:schemeClr val="tx1">
+            <a:lumMod val="35000"/>
+            <a:lumOff val="65000"/>
+          </a:schemeClr>
+        </a:solidFill>
+        <a:round/>
+      </a:ln>
+    </cs:spPr>
+  </cs:seriesLine>
+  <cs:title>
+    <cs:lnRef idx="0"/>
+    <cs:fillRef idx="0"/>
+    <cs:effectRef idx="0"/>
+    <cs:fontRef idx="minor">
+      <a:schemeClr val="tx1">
+        <a:lumMod val="65000"/>
+        <a:lumOff val="35000"/>
+      </a:schemeClr>
+    </cs:fontRef>
+    <cs:defRPr sz="1862" b="0" kern="1200" spc="0" baseline="0"/>
+  </cs:title>
+  <cs:trendline>
+    <cs:lnRef idx="0">
+      <cs:styleClr val="auto"/>
+    </cs:lnRef>
+    <cs:fillRef idx="0"/>
+    <cs:effectRef idx="0"/>
+    <cs:fontRef idx="minor">
+      <a:schemeClr val="tx1"/>
+    </cs:fontRef>
+    <cs:spPr>
+      <a:ln w="19050" cap="rnd">
+        <a:solidFill>
+          <a:schemeClr val="phClr"/>
+        </a:solidFill>
+        <a:prstDash val="sysDot"/>
+      </a:ln>
+    </cs:spPr>
+  </cs:trendline>
+  <cs:trendlineLabel>
+    <cs:lnRef idx="0"/>
+    <cs:fillRef idx="0"/>
+    <cs:effectRef idx="0"/>
+    <cs:fontRef idx="minor">
+      <a:schemeClr val="tx1">
+        <a:lumMod val="65000"/>
+        <a:lumOff val="35000"/>
+      </a:schemeClr>
+    </cs:fontRef>
+    <cs:defRPr sz="1197" kern="1200"/>
+  </cs:trendlineLabel>
+  <cs:upBar>
+    <cs:lnRef idx="0"/>
+    <cs:fillRef idx="0"/>
+    <cs:effectRef idx="0"/>
+    <cs:fontRef idx="minor">
+      <a:schemeClr val="tx1"/>
+    </cs:fontRef>
+    <cs:spPr>
+      <a:solidFill>
+        <a:schemeClr val="lt1"/>
+      </a:solidFill>
+      <a:ln w="9525" cap="flat" cmpd="sng" algn="ctr">
+        <a:solidFill>
+          <a:schemeClr val="tx1">
+            <a:lumMod val="65000"/>
+            <a:lumOff val="35000"/>
+          </a:schemeClr>
+        </a:solidFill>
+        <a:round/>
+      </a:ln>
+    </cs:spPr>
+  </cs:upBar>
+  <cs:valueAxis>
+    <cs:lnRef idx="0"/>
+    <cs:fillRef idx="0"/>
+    <cs:effectRef idx="0"/>
+    <cs:fontRef idx="minor">
+      <a:schemeClr val="tx1">
+        <a:lumMod val="65000"/>
+        <a:lumOff val="35000"/>
+      </a:schemeClr>
+    </cs:fontRef>
+    <cs:defRPr sz="1197" kern="1200"/>
+  </cs:valueAxis>
+  <cs:wall>
+    <cs:lnRef idx="0"/>
+    <cs:fillRef idx="0"/>
+    <cs:effectRef idx="0"/>
+    <cs:fontRef idx="minor">
+      <a:schemeClr val="tx1"/>
+    </cs:fontRef>
+    <cs:spPr>
+      <a:noFill/>
+      <a:ln>
+        <a:noFill/>
+      </a:ln>
+    </cs:spPr>
+  </cs:wall>
+</cs:chartStyle>
+</file>
+
+<file path=ppt/charts/style9.xml><?xml version="1.0" encoding="utf-8"?>
+<cs:chartStyle xmlns:cs="http://schemas.microsoft.com/office/drawing/2012/chartStyle" xmlns:a="http://schemas.openxmlformats.org/drawingml/2006/main" id="251">
+  <cs:axisTitle>
+    <cs:lnRef idx="0"/>
+    <cs:fillRef idx="0"/>
+    <cs:effectRef idx="0"/>
+    <cs:fontRef idx="minor">
+      <a:schemeClr val="tx1">
+        <a:lumMod val="65000"/>
+        <a:lumOff val="35000"/>
+      </a:schemeClr>
+    </cs:fontRef>
+    <cs:defRPr sz="1330" kern="1200"/>
+  </cs:axisTitle>
+  <cs:categoryAxis>
+    <cs:lnRef idx="0"/>
+    <cs:fillRef idx="0"/>
+    <cs:effectRef idx="0"/>
+    <cs:fontRef idx="minor">
+      <a:schemeClr val="tx1">
+        <a:lumMod val="65000"/>
+        <a:lumOff val="35000"/>
+      </a:schemeClr>
+    </cs:fontRef>
+    <cs:spPr>
+      <a:ln w="9525" cap="flat" cmpd="sng" algn="ctr">
+        <a:solidFill>
+          <a:schemeClr val="tx1">
+            <a:lumMod val="15000"/>
+            <a:lumOff val="85000"/>
+          </a:schemeClr>
+        </a:solidFill>
+        <a:round/>
+      </a:ln>
+    </cs:spPr>
+    <cs:defRPr sz="1197" kern="1200"/>
+  </cs:categoryAxis>
+  <cs:chartArea mods="allowNoFillOverride allowNoLineOverride">
+    <cs:lnRef idx="0"/>
+    <cs:fillRef idx="0"/>
+    <cs:effectRef idx="0"/>
+    <cs:fontRef idx="minor">
+      <a:schemeClr val="tx1"/>
+    </cs:fontRef>
+    <cs:spPr>
+      <a:solidFill>
+        <a:schemeClr val="bg1"/>
+      </a:solidFill>
+      <a:ln w="9525" cap="flat" cmpd="sng" algn="ctr">
+        <a:solidFill>
+          <a:schemeClr val="tx1">
+            <a:lumMod val="15000"/>
+            <a:lumOff val="85000"/>
+          </a:schemeClr>
+        </a:solidFill>
+        <a:round/>
+      </a:ln>
+    </cs:spPr>
+    <cs:defRPr sz="1197" kern="1200"/>
+  </cs:chartArea>
+  <cs:dataLabel>
+    <cs:lnRef idx="0"/>
+    <cs:fillRef idx="0"/>
+    <cs:effectRef idx="0"/>
+    <cs:fontRef idx="minor">
+      <a:schemeClr val="tx1">
+        <a:lumMod val="75000"/>
+        <a:lumOff val="25000"/>
+      </a:schemeClr>
+    </cs:fontRef>
+    <cs:defRPr sz="1197" kern="1200"/>
+  </cs:dataLabel>
+  <cs:dataLabelCallout>
+    <cs:lnRef idx="0"/>
+    <cs:fillRef idx="0"/>
+    <cs:effectRef idx="0"/>
+    <cs:fontRef idx="minor">
+      <a:schemeClr val="dk1">
+        <a:lumMod val="65000"/>
+        <a:lumOff val="35000"/>
+      </a:schemeClr>
+    </cs:fontRef>
+    <cs:spPr>
+      <a:solidFill>
+        <a:schemeClr val="lt1"/>
+      </a:solidFill>
+      <a:ln>
+        <a:solidFill>
+          <a:schemeClr val="dk1">
+            <a:lumMod val="25000"/>
+            <a:lumOff val="75000"/>
+          </a:schemeClr>
+        </a:solidFill>
+      </a:ln>
+    </cs:spPr>
+    <cs:defRPr sz="1197" kern="1200"/>
+    <cs:bodyPr rot="0" spcFirstLastPara="1" vertOverflow="clip" horzOverflow="clip" vert="horz" wrap="square" lIns="36576" tIns="18288" rIns="36576" bIns="18288" anchor="ctr" anchorCtr="1">
+      <a:spAutoFit/>
+    </cs:bodyPr>
+  </cs:dataLabelCallout>
+  <cs:dataPoint>
+    <cs:lnRef idx="0"/>
+    <cs:fillRef idx="1">
+      <cs:styleClr val="auto"/>
+    </cs:fillRef>
+    <cs:effectRef idx="0"/>
+    <cs:fontRef idx="minor">
+      <a:schemeClr val="tx1"/>
+    </cs:fontRef>
+    <cs:spPr>
+      <a:ln w="19050">
+        <a:solidFill>
+          <a:schemeClr val="lt1"/>
+        </a:solidFill>
+      </a:ln>
+    </cs:spPr>
+  </cs:dataPoint>
+  <cs:dataPoint3D>
+    <cs:lnRef idx="0"/>
+    <cs:fillRef idx="1">
+      <cs:styleClr val="auto"/>
+    </cs:fillRef>
+    <cs:effectRef idx="0"/>
+    <cs:fontRef idx="minor">
+      <a:schemeClr val="tx1"/>
+    </cs:fontRef>
+    <cs:spPr>
+      <a:ln w="25400">
+        <a:solidFill>
+          <a:schemeClr val="lt1"/>
+        </a:solidFill>
+      </a:ln>
+    </cs:spPr>
+  </cs:dataPoint3D>
+  <cs:dataPointLine>
+    <cs:lnRef idx="0">
+      <cs:styleClr val="auto"/>
+    </cs:lnRef>
+    <cs:fillRef idx="0"/>
+    <cs:effectRef idx="0"/>
+    <cs:fontRef idx="minor">
+      <a:schemeClr val="tx1"/>
+    </cs:fontRef>
+    <cs:spPr>
+      <a:ln w="28575" cap="rnd">
+        <a:solidFill>
+          <a:schemeClr val="phClr"/>
+        </a:solidFill>
+        <a:round/>
+      </a:ln>
+    </cs:spPr>
+  </cs:dataPointLine>
+  <cs:dataPointMarker>
+    <cs:lnRef idx="0">
+      <cs:styleClr val="auto"/>
+    </cs:lnRef>
+    <cs:fillRef idx="1">
+      <cs:styleClr val="auto"/>
+    </cs:fillRef>
+    <cs:effectRef idx="0"/>
+    <cs:fontRef idx="minor">
+      <a:schemeClr val="tx1"/>
+    </cs:fontRef>
+    <cs:spPr>
+      <a:ln w="9525">
+        <a:solidFill>
+          <a:schemeClr val="phClr"/>
+        </a:solidFill>
+      </a:ln>
+    </cs:spPr>
+  </cs:dataPointMarker>
+  <cs:dataPointMarkerLayout symbol="circle" size="5"/>
+  <cs:dataPointWireframe>
+    <cs:lnRef idx="0">
+      <cs:styleClr val="auto"/>
+    </cs:lnRef>
+    <cs:fillRef idx="0"/>
+    <cs:effectRef idx="0"/>
+    <cs:fontRef idx="minor">
+      <a:schemeClr val="tx1"/>
+    </cs:fontRef>
+    <cs:spPr>
+      <a:ln w="9525" cap="rnd">
+        <a:solidFill>
+          <a:schemeClr val="phClr"/>
+        </a:solidFill>
+        <a:round/>
+      </a:ln>
+    </cs:spPr>
+  </cs:dataPointWireframe>
+  <cs:dataTable>
+    <cs:lnRef idx="0"/>
+    <cs:fillRef idx="0"/>
+    <cs:effectRef idx="0"/>
+    <cs:fontRef idx="minor">
+      <a:schemeClr val="tx1">
+        <a:lumMod val="65000"/>
+        <a:lumOff val="35000"/>
+      </a:schemeClr>
+    </cs:fontRef>
+    <cs:spPr>
+      <a:noFill/>
+      <a:ln w="9525" cap="flat" cmpd="sng" algn="ctr">
+        <a:solidFill>
+          <a:schemeClr val="tx1">
+            <a:lumMod val="15000"/>
+            <a:lumOff val="85000"/>
+          </a:schemeClr>
+        </a:solidFill>
+        <a:round/>
+      </a:ln>
+    </cs:spPr>
+    <cs:defRPr sz="1197" kern="1200"/>
+  </cs:dataTable>
+  <cs:downBar>
+    <cs:lnRef idx="0"/>
+    <cs:fillRef idx="0"/>
+    <cs:effectRef idx="0"/>
+    <cs:fontRef idx="minor">
+      <a:schemeClr val="tx1"/>
+    </cs:fontRef>
+    <cs:spPr>
+      <a:solidFill>
+        <a:schemeClr val="dk1">
+          <a:lumMod val="75000"/>
+          <a:lumOff val="25000"/>
+        </a:schemeClr>
+      </a:solidFill>
+      <a:ln w="9525" cap="flat" cmpd="sng" algn="ctr">
+        <a:solidFill>
+          <a:schemeClr val="tx1">
+            <a:lumMod val="65000"/>
+            <a:lumOff val="35000"/>
+          </a:schemeClr>
+        </a:solidFill>
+        <a:round/>
+      </a:ln>
+    </cs:spPr>
+  </cs:downBar>
+  <cs:dropLine>
+    <cs:lnRef idx="0"/>
+    <cs:fillRef idx="0"/>
+    <cs:effectRef idx="0"/>
+    <cs:fontRef idx="minor">
+      <a:schemeClr val="tx1"/>
+    </cs:fontRef>
+    <cs:spPr>
+      <a:ln w="9525" cap="flat" cmpd="sng" algn="ctr">
+        <a:solidFill>
+          <a:schemeClr val="tx1">
+            <a:lumMod val="35000"/>
+            <a:lumOff val="65000"/>
+          </a:schemeClr>
+        </a:solidFill>
+        <a:round/>
+      </a:ln>
+    </cs:spPr>
+  </cs:dropLine>
+  <cs:errorBar>
+    <cs:lnRef idx="0"/>
+    <cs:fillRef idx="0"/>
+    <cs:effectRef idx="0"/>
+    <cs:fontRef idx="minor">
+      <a:schemeClr val="tx1"/>
+    </cs:fontRef>
+    <cs:spPr>
+      <a:ln w="9525" cap="flat" cmpd="sng" algn="ctr">
+        <a:solidFill>
+          <a:schemeClr val="tx1">
+            <a:lumMod val="65000"/>
+            <a:lumOff val="35000"/>
+          </a:schemeClr>
+        </a:solidFill>
+        <a:round/>
+      </a:ln>
+    </cs:spPr>
+  </cs:errorBar>
+  <cs:floor>
+    <cs:lnRef idx="0"/>
+    <cs:fillRef idx="0"/>
+    <cs:effectRef idx="0"/>
+    <cs:fontRef idx="minor">
+      <a:schemeClr val="tx1"/>
+    </cs:fontRef>
+    <cs:spPr>
+      <a:noFill/>
+      <a:ln>
+        <a:noFill/>
+      </a:ln>
+    </cs:spPr>
+  </cs:floor>
+  <cs:gridlineMajor>
+    <cs:lnRef idx="0"/>
+    <cs:fillRef idx="0"/>
+    <cs:effectRef idx="0"/>
+    <cs:fontRef idx="minor">
+      <a:schemeClr val="tx1"/>
+    </cs:fontRef>
+    <cs:spPr>
+      <a:ln w="9525" cap="flat" cmpd="sng" algn="ctr">
+        <a:solidFill>
+          <a:schemeClr val="tx1">
+            <a:lumMod val="15000"/>
+            <a:lumOff val="85000"/>
+          </a:schemeClr>
+        </a:solidFill>
+        <a:round/>
+      </a:ln>
+    </cs:spPr>
+  </cs:gridlineMajor>
+  <cs:gridlineMinor>
+    <cs:lnRef idx="0"/>
+    <cs:fillRef idx="0"/>
+    <cs:effectRef idx="0"/>
+    <cs:fontRef idx="minor">
+      <a:schemeClr val="tx1"/>
+    </cs:fontRef>
+    <cs:spPr>
+      <a:ln w="9525" cap="flat" cmpd="sng" algn="ctr">
+        <a:solidFill>
+          <a:schemeClr val="tx1">
+            <a:lumMod val="5000"/>
+            <a:lumOff val="95000"/>
+          </a:schemeClr>
+        </a:solidFill>
+        <a:round/>
+      </a:ln>
+    </cs:spPr>
+  </cs:gridlineMinor>
+  <cs:hiLoLine>
+    <cs:lnRef idx="0"/>
+    <cs:fillRef idx="0"/>
+    <cs:effectRef idx="0"/>
+    <cs:fontRef idx="minor">
+      <a:schemeClr val="tx1"/>
+    </cs:fontRef>
+    <cs:spPr>
+      <a:ln w="9525" cap="flat" cmpd="sng" algn="ctr">
+        <a:solidFill>
+          <a:schemeClr val="tx1">
+            <a:lumMod val="50000"/>
+            <a:lumOff val="50000"/>
+          </a:schemeClr>
+        </a:solidFill>
+        <a:round/>
+      </a:ln>
+    </cs:spPr>
+  </cs:hiLoLine>
+  <cs:leaderLine>
+    <cs:lnRef idx="0"/>
+    <cs:fillRef idx="0"/>
+    <cs:effectRef idx="0"/>
+    <cs:fontRef idx="minor">
+      <a:schemeClr val="tx1"/>
+    </cs:fontRef>
+    <cs:spPr>
+      <a:ln w="9525" cap="flat" cmpd="sng" algn="ctr">
+        <a:solidFill>
+          <a:schemeClr val="tx1">
+            <a:lumMod val="35000"/>
+            <a:lumOff val="65000"/>
+          </a:schemeClr>
+        </a:solidFill>
+        <a:round/>
+      </a:ln>
+    </cs:spPr>
+  </cs:leaderLine>
+  <cs:legend>
+    <cs:lnRef idx="0"/>
+    <cs:fillRef idx="0"/>
+    <cs:effectRef idx="0"/>
+    <cs:fontRef idx="minor">
+      <a:schemeClr val="tx1">
+        <a:lumMod val="65000"/>
+        <a:lumOff val="35000"/>
+      </a:schemeClr>
+    </cs:fontRef>
+    <cs:defRPr sz="1197" kern="1200"/>
+  </cs:legend>
+  <cs:plotArea mods="allowNoFillOverride allowNoLineOverride">
+    <cs:lnRef idx="0"/>
+    <cs:fillRef idx="0"/>
+    <cs:effectRef idx="0"/>
+    <cs:fontRef idx="minor">
+      <a:schemeClr val="tx1"/>
+    </cs:fontRef>
+  </cs:plotArea>
+  <cs:plotArea3D mods="allowNoFillOverride allowNoLineOverride">
+    <cs:lnRef idx="0"/>
+    <cs:fillRef idx="0"/>
+    <cs:effectRef idx="0"/>
+    <cs:fontRef idx="minor">
+      <a:schemeClr val="tx1"/>
+    </cs:fontRef>
+  </cs:plotArea3D>
+  <cs:seriesAxis>
+    <cs:lnRef idx="0"/>
+    <cs:fillRef idx="0"/>
+    <cs:effectRef idx="0"/>
+    <cs:fontRef idx="minor">
+      <a:schemeClr val="tx1">
+        <a:lumMod val="65000"/>
+        <a:lumOff val="35000"/>
+      </a:schemeClr>
+    </cs:fontRef>
+    <cs:defRPr sz="1197" kern="1200"/>
+  </cs:seriesAxis>
+  <cs:seriesLine>
+    <cs:lnRef idx="0"/>
+    <cs:fillRef idx="0"/>
+    <cs:effectRef idx="0"/>
+    <cs:fontRef idx="minor">
+      <a:schemeClr val="tx1"/>
+    </cs:fontRef>
+    <cs:spPr>
+      <a:ln w="9525" cap="flat" cmpd="sng" algn="ctr">
+        <a:solidFill>
+          <a:schemeClr val="tx1">
+            <a:lumMod val="35000"/>
+            <a:lumOff val="65000"/>
+          </a:schemeClr>
+        </a:solidFill>
+        <a:round/>
+      </a:ln>
+    </cs:spPr>
+  </cs:seriesLine>
+  <cs:title>
+    <cs:lnRef idx="0"/>
+    <cs:fillRef idx="0"/>
+    <cs:effectRef idx="0"/>
+    <cs:fontRef idx="minor">
+      <a:schemeClr val="tx1">
+        <a:lumMod val="65000"/>
+        <a:lumOff val="35000"/>
+      </a:schemeClr>
+    </cs:fontRef>
+    <cs:defRPr sz="1862" b="0" kern="1200" spc="0" baseline="0"/>
+  </cs:title>
+  <cs:trendline>
+    <cs:lnRef idx="0">
+      <cs:styleClr val="auto"/>
+    </cs:lnRef>
+    <cs:fillRef idx="0"/>
+    <cs:effectRef idx="0"/>
+    <cs:fontRef idx="minor">
+      <a:schemeClr val="tx1"/>
+    </cs:fontRef>
+    <cs:spPr>
+      <a:ln w="19050" cap="rnd">
+        <a:solidFill>
+          <a:schemeClr val="phClr"/>
+        </a:solidFill>
+        <a:prstDash val="sysDot"/>
+      </a:ln>
+    </cs:spPr>
+  </cs:trendline>
+  <cs:trendlineLabel>
+    <cs:lnRef idx="0"/>
+    <cs:fillRef idx="0"/>
+    <cs:effectRef idx="0"/>
+    <cs:fontRef idx="minor">
+      <a:schemeClr val="tx1">
+        <a:lumMod val="65000"/>
+        <a:lumOff val="35000"/>
+      </a:schemeClr>
+    </cs:fontRef>
+    <cs:defRPr sz="1197" kern="1200"/>
+  </cs:trendlineLabel>
+  <cs:upBar>
+    <cs:lnRef idx="0"/>
+    <cs:fillRef idx="0"/>
+    <cs:effectRef idx="0"/>
+    <cs:fontRef idx="minor">
+      <a:schemeClr val="tx1"/>
+    </cs:fontRef>
+    <cs:spPr>
+      <a:solidFill>
+        <a:schemeClr val="lt1"/>
+      </a:solidFill>
+      <a:ln w="9525" cap="flat" cmpd="sng" algn="ctr">
+        <a:solidFill>
+          <a:schemeClr val="tx1">
+            <a:lumMod val="65000"/>
+            <a:lumOff val="35000"/>
+          </a:schemeClr>
+        </a:solidFill>
+        <a:round/>
+      </a:ln>
+    </cs:spPr>
+  </cs:upBar>
+  <cs:valueAxis>
+    <cs:lnRef idx="0"/>
+    <cs:fillRef idx="0"/>
+    <cs:effectRef idx="0"/>
+    <cs:fontRef idx="minor">
+      <a:schemeClr val="tx1">
+        <a:lumMod val="65000"/>
+        <a:lumOff val="35000"/>
+      </a:schemeClr>
+    </cs:fontRef>
+    <cs:defRPr sz="1197" kern="1200"/>
+  </cs:valueAxis>
+  <cs:wall>
+    <cs:lnRef idx="0"/>
+    <cs:fillRef idx="0"/>
+    <cs:effectRef idx="0"/>
+    <cs:fontRef idx="minor">
+      <a:schemeClr val="tx1"/>
+    </cs:fontRef>
+    <cs:spPr>
+      <a:noFill/>
+      <a:ln>
+        <a:noFill/>
+      </a:ln>
+    </cs:spPr>
   </cs:wall>
 </cs:chartStyle>
 </file>
@@ -6820,7 +7444,7 @@
           <a:p>
             <a:fld id="{A518024A-DAD4-43AA-8DD0-05436D3742AD}" type="datetimeFigureOut">
               <a:rPr lang="zh-TW" altLang="en-US" smtClean="0"/>
-              <a:t>2023/12/5</a:t>
+              <a:t>2023/12/7</a:t>
             </a:fld>
             <a:endParaRPr lang="zh-TW" altLang="en-US"/>
           </a:p>
@@ -7213,7 +7837,7 @@
           <a:p>
             <a:fld id="{6082EEDF-7A2E-4D67-B566-240CF40C7079}" type="slidenum">
               <a:rPr lang="zh-TW" altLang="en-US" smtClean="0"/>
-              <a:t>12</a:t>
+              <a:t>13</a:t>
             </a:fld>
             <a:endParaRPr lang="zh-TW" altLang="en-US"/>
           </a:p>
@@ -7357,7 +7981,7 @@
           <a:p>
             <a:fld id="{6082EEDF-7A2E-4D67-B566-240CF40C7079}" type="slidenum">
               <a:rPr lang="zh-TW" altLang="en-US" smtClean="0"/>
-              <a:t>13</a:t>
+              <a:t>14</a:t>
             </a:fld>
             <a:endParaRPr lang="zh-TW" altLang="en-US"/>
           </a:p>
@@ -7501,7 +8125,7 @@
           <a:p>
             <a:fld id="{6082EEDF-7A2E-4D67-B566-240CF40C7079}" type="slidenum">
               <a:rPr lang="zh-TW" altLang="en-US" smtClean="0"/>
-              <a:t>19</a:t>
+              <a:t>20</a:t>
             </a:fld>
             <a:endParaRPr lang="zh-TW" altLang="en-US"/>
           </a:p>
@@ -7651,7 +8275,7 @@
           <a:p>
             <a:fld id="{79337A9F-6E85-406D-B2F7-C67412033658}" type="datetimeFigureOut">
               <a:rPr lang="zh-TW" altLang="en-US" smtClean="0"/>
-              <a:t>2023/12/5</a:t>
+              <a:t>2023/12/7</a:t>
             </a:fld>
             <a:endParaRPr lang="zh-TW" altLang="en-US"/>
           </a:p>
@@ -7821,7 +8445,7 @@
           <a:p>
             <a:fld id="{79337A9F-6E85-406D-B2F7-C67412033658}" type="datetimeFigureOut">
               <a:rPr lang="zh-TW" altLang="en-US" smtClean="0"/>
-              <a:t>2023/12/5</a:t>
+              <a:t>2023/12/7</a:t>
             </a:fld>
             <a:endParaRPr lang="zh-TW" altLang="en-US"/>
           </a:p>
@@ -8001,7 +8625,7 @@
           <a:p>
             <a:fld id="{79337A9F-6E85-406D-B2F7-C67412033658}" type="datetimeFigureOut">
               <a:rPr lang="zh-TW" altLang="en-US" smtClean="0"/>
-              <a:t>2023/12/5</a:t>
+              <a:t>2023/12/7</a:t>
             </a:fld>
             <a:endParaRPr lang="zh-TW" altLang="en-US"/>
           </a:p>
@@ -8171,7 +8795,7 @@
           <a:p>
             <a:fld id="{79337A9F-6E85-406D-B2F7-C67412033658}" type="datetimeFigureOut">
               <a:rPr lang="zh-TW" altLang="en-US" smtClean="0"/>
-              <a:t>2023/12/5</a:t>
+              <a:t>2023/12/7</a:t>
             </a:fld>
             <a:endParaRPr lang="zh-TW" altLang="en-US"/>
           </a:p>
@@ -8415,7 +9039,7 @@
           <a:p>
             <a:fld id="{79337A9F-6E85-406D-B2F7-C67412033658}" type="datetimeFigureOut">
               <a:rPr lang="zh-TW" altLang="en-US" smtClean="0"/>
-              <a:t>2023/12/5</a:t>
+              <a:t>2023/12/7</a:t>
             </a:fld>
             <a:endParaRPr lang="zh-TW" altLang="en-US"/>
           </a:p>
@@ -8647,7 +9271,7 @@
           <a:p>
             <a:fld id="{79337A9F-6E85-406D-B2F7-C67412033658}" type="datetimeFigureOut">
               <a:rPr lang="zh-TW" altLang="en-US" smtClean="0"/>
-              <a:t>2023/12/5</a:t>
+              <a:t>2023/12/7</a:t>
             </a:fld>
             <a:endParaRPr lang="zh-TW" altLang="en-US"/>
           </a:p>
@@ -9014,7 +9638,7 @@
           <a:p>
             <a:fld id="{79337A9F-6E85-406D-B2F7-C67412033658}" type="datetimeFigureOut">
               <a:rPr lang="zh-TW" altLang="en-US" smtClean="0"/>
-              <a:t>2023/12/5</a:t>
+              <a:t>2023/12/7</a:t>
             </a:fld>
             <a:endParaRPr lang="zh-TW" altLang="en-US"/>
           </a:p>
@@ -9132,7 +9756,7 @@
           <a:p>
             <a:fld id="{79337A9F-6E85-406D-B2F7-C67412033658}" type="datetimeFigureOut">
               <a:rPr lang="zh-TW" altLang="en-US" smtClean="0"/>
-              <a:t>2023/12/5</a:t>
+              <a:t>2023/12/7</a:t>
             </a:fld>
             <a:endParaRPr lang="zh-TW" altLang="en-US"/>
           </a:p>
@@ -9227,7 +9851,7 @@
           <a:p>
             <a:fld id="{79337A9F-6E85-406D-B2F7-C67412033658}" type="datetimeFigureOut">
               <a:rPr lang="zh-TW" altLang="en-US" smtClean="0"/>
-              <a:t>2023/12/5</a:t>
+              <a:t>2023/12/7</a:t>
             </a:fld>
             <a:endParaRPr lang="zh-TW" altLang="en-US"/>
           </a:p>
@@ -9504,7 +10128,7 @@
           <a:p>
             <a:fld id="{79337A9F-6E85-406D-B2F7-C67412033658}" type="datetimeFigureOut">
               <a:rPr lang="zh-TW" altLang="en-US" smtClean="0"/>
-              <a:t>2023/12/5</a:t>
+              <a:t>2023/12/7</a:t>
             </a:fld>
             <a:endParaRPr lang="zh-TW" altLang="en-US"/>
           </a:p>
@@ -9761,7 +10385,7 @@
           <a:p>
             <a:fld id="{79337A9F-6E85-406D-B2F7-C67412033658}" type="datetimeFigureOut">
               <a:rPr lang="zh-TW" altLang="en-US" smtClean="0"/>
-              <a:t>2023/12/5</a:t>
+              <a:t>2023/12/7</a:t>
             </a:fld>
             <a:endParaRPr lang="zh-TW" altLang="en-US"/>
           </a:p>
@@ -9974,7 +10598,7 @@
           <a:p>
             <a:fld id="{79337A9F-6E85-406D-B2F7-C67412033658}" type="datetimeFigureOut">
               <a:rPr lang="zh-TW" altLang="en-US" smtClean="0"/>
-              <a:t>2023/12/5</a:t>
+              <a:t>2023/12/7</a:t>
             </a:fld>
             <a:endParaRPr lang="zh-TW" altLang="en-US"/>
           </a:p>
@@ -14454,6 +15078,138 @@
           <p:nvPr/>
         </p:nvPicPr>
         <p:blipFill rotWithShape="1">
+          <a:blip r:embed="rId2">
+            <a:extLst>
+              <a:ext uri="{28A0092B-C50C-407E-A947-70E740481C1C}">
+                <a14:useLocalDpi xmlns:a14="http://schemas.microsoft.com/office/drawing/2010/main" val="0"/>
+              </a:ext>
+            </a:extLst>
+          </a:blip>
+          <a:srcRect l="9783" r="10174"/>
+          <a:stretch/>
+        </p:blipFill>
+        <p:spPr>
+          <a:xfrm>
+            <a:off x="0" y="0"/>
+            <a:ext cx="10286999" cy="22860000"/>
+          </a:xfrm>
+          <a:prstGeom prst="rect">
+            <a:avLst/>
+          </a:prstGeom>
+        </p:spPr>
+      </p:pic>
+      <p:sp>
+        <p:nvSpPr>
+          <p:cNvPr id="6" name="矩形 5"/>
+          <p:cNvSpPr/>
+          <p:nvPr/>
+        </p:nvSpPr>
+        <p:spPr>
+          <a:xfrm>
+            <a:off x="0" y="0"/>
+            <a:ext cx="10287000" cy="22860000"/>
+          </a:xfrm>
+          <a:prstGeom prst="rect">
+            <a:avLst/>
+          </a:prstGeom>
+          <a:solidFill>
+            <a:schemeClr val="bg1">
+              <a:alpha val="64000"/>
+            </a:schemeClr>
+          </a:solidFill>
+          <a:ln>
+            <a:noFill/>
+          </a:ln>
+        </p:spPr>
+        <p:style>
+          <a:lnRef idx="2">
+            <a:schemeClr val="accent1">
+              <a:shade val="50000"/>
+            </a:schemeClr>
+          </a:lnRef>
+          <a:fillRef idx="1">
+            <a:schemeClr val="accent1"/>
+          </a:fillRef>
+          <a:effectRef idx="0">
+            <a:schemeClr val="accent1"/>
+          </a:effectRef>
+          <a:fontRef idx="minor">
+            <a:schemeClr val="lt1"/>
+          </a:fontRef>
+        </p:style>
+        <p:txBody>
+          <a:bodyPr rtlCol="0" anchor="ctr"/>
+          <a:lstStyle/>
+          <a:p>
+            <a:pPr algn="ctr"/>
+            <a:endParaRPr lang="zh-TW" altLang="en-US"/>
+          </a:p>
+        </p:txBody>
+      </p:sp>
+      <p:graphicFrame>
+        <p:nvGraphicFramePr>
+          <p:cNvPr id="15" name="圖表 14"/>
+          <p:cNvGraphicFramePr/>
+          <p:nvPr>
+            <p:extLst/>
+          </p:nvPr>
+        </p:nvGraphicFramePr>
+        <p:xfrm>
+          <a:off x="-1223618" y="5954326"/>
+          <a:ext cx="12430125" cy="9344025"/>
+        </p:xfrm>
+        <a:graphic>
+          <a:graphicData uri="http://schemas.openxmlformats.org/drawingml/2006/chart">
+            <c:chart xmlns:c="http://schemas.openxmlformats.org/drawingml/2006/chart" xmlns:r="http://schemas.openxmlformats.org/officeDocument/2006/relationships" r:id="rId3"/>
+          </a:graphicData>
+        </a:graphic>
+      </p:graphicFrame>
+    </p:spTree>
+    <p:extLst>
+      <p:ext uri="{BB962C8B-B14F-4D97-AF65-F5344CB8AC3E}">
+        <p14:creationId xmlns:p14="http://schemas.microsoft.com/office/powerpoint/2010/main" val="3097211357"/>
+      </p:ext>
+    </p:extLst>
+  </p:cSld>
+  <p:clrMapOvr>
+    <a:masterClrMapping/>
+  </p:clrMapOvr>
+  <p:timing>
+    <p:tnLst>
+      <p:par>
+        <p:cTn id="1" dur="indefinite" restart="never" nodeType="tmRoot"/>
+      </p:par>
+    </p:tnLst>
+  </p:timing>
+</p:sld>
+</file>
+
+<file path=ppt/slides/slide13.xml><?xml version="1.0" encoding="utf-8"?>
+<p:sld xmlns:a="http://schemas.openxmlformats.org/drawingml/2006/main" xmlns:r="http://schemas.openxmlformats.org/officeDocument/2006/relationships" xmlns:p="http://schemas.openxmlformats.org/presentationml/2006/main">
+  <p:cSld>
+    <p:spTree>
+      <p:nvGrpSpPr>
+        <p:cNvPr id="1" name=""/>
+        <p:cNvGrpSpPr/>
+        <p:nvPr/>
+      </p:nvGrpSpPr>
+      <p:grpSpPr>
+        <a:xfrm>
+          <a:off x="0" y="0"/>
+          <a:ext cx="0" cy="0"/>
+          <a:chOff x="0" y="0"/>
+          <a:chExt cx="0" cy="0"/>
+        </a:xfrm>
+      </p:grpSpPr>
+      <p:pic>
+        <p:nvPicPr>
+          <p:cNvPr id="5" name="圖片 4"/>
+          <p:cNvPicPr>
+            <a:picLocks noChangeAspect="1"/>
+          </p:cNvPicPr>
+          <p:nvPr/>
+        </p:nvPicPr>
+        <p:blipFill rotWithShape="1">
           <a:blip r:embed="rId3">
             <a:extLst>
               <a:ext uri="{28A0092B-C50C-407E-A947-70E740481C1C}">
@@ -15232,7 +15988,7 @@
 </p:sld>
 </file>
 
-<file path=ppt/slides/slide13.xml><?xml version="1.0" encoding="utf-8"?>
+<file path=ppt/slides/slide14.xml><?xml version="1.0" encoding="utf-8"?>
 <p:sld xmlns:a="http://schemas.openxmlformats.org/drawingml/2006/main" xmlns:r="http://schemas.openxmlformats.org/officeDocument/2006/relationships" xmlns:p="http://schemas.openxmlformats.org/presentationml/2006/main">
   <p:cSld>
     <p:spTree>
@@ -16643,7 +17399,7 @@
 </p:sld>
 </file>
 
-<file path=ppt/slides/slide14.xml><?xml version="1.0" encoding="utf-8"?>
+<file path=ppt/slides/slide15.xml><?xml version="1.0" encoding="utf-8"?>
 <p:sld xmlns:a="http://schemas.openxmlformats.org/drawingml/2006/main" xmlns:r="http://schemas.openxmlformats.org/officeDocument/2006/relationships" xmlns:p="http://schemas.openxmlformats.org/presentationml/2006/main">
   <p:cSld>
     <p:spTree>
@@ -19224,7 +19980,7 @@
 </p:sld>
 </file>
 
-<file path=ppt/slides/slide15.xml><?xml version="1.0" encoding="utf-8"?>
+<file path=ppt/slides/slide16.xml><?xml version="1.0" encoding="utf-8"?>
 <p:sld xmlns:a="http://schemas.openxmlformats.org/drawingml/2006/main" xmlns:r="http://schemas.openxmlformats.org/officeDocument/2006/relationships" xmlns:p="http://schemas.openxmlformats.org/presentationml/2006/main">
   <p:cSld>
     <p:spTree>
@@ -20370,7 +21126,7 @@
 </p:sld>
 </file>
 
-<file path=ppt/slides/slide16.xml><?xml version="1.0" encoding="utf-8"?>
+<file path=ppt/slides/slide17.xml><?xml version="1.0" encoding="utf-8"?>
 <p:sld xmlns:a="http://schemas.openxmlformats.org/drawingml/2006/main" xmlns:r="http://schemas.openxmlformats.org/officeDocument/2006/relationships" xmlns:p="http://schemas.openxmlformats.org/presentationml/2006/main">
   <p:cSld>
     <p:spTree>
@@ -22082,7 +22838,7 @@
 </p:sld>
 </file>
 
-<file path=ppt/slides/slide17.xml><?xml version="1.0" encoding="utf-8"?>
+<file path=ppt/slides/slide18.xml><?xml version="1.0" encoding="utf-8"?>
 <p:sld xmlns:a="http://schemas.openxmlformats.org/drawingml/2006/main" xmlns:r="http://schemas.openxmlformats.org/officeDocument/2006/relationships" xmlns:p="http://schemas.openxmlformats.org/presentationml/2006/main">
   <p:cSld>
     <p:spTree>
@@ -23048,7 +23804,7 @@
 </p:sld>
 </file>
 
-<file path=ppt/slides/slide18.xml><?xml version="1.0" encoding="utf-8"?>
+<file path=ppt/slides/slide19.xml><?xml version="1.0" encoding="utf-8"?>
 <p:sld xmlns:a="http://schemas.openxmlformats.org/drawingml/2006/main" xmlns:r="http://schemas.openxmlformats.org/officeDocument/2006/relationships" xmlns:p="http://schemas.openxmlformats.org/presentationml/2006/main">
   <p:cSld>
     <p:spTree>
@@ -24293,7 +25049,61 @@
 </p:sld>
 </file>
 
-<file path=ppt/slides/slide19.xml><?xml version="1.0" encoding="utf-8"?>
+<file path=ppt/slides/slide2.xml><?xml version="1.0" encoding="utf-8"?>
+<p:sld xmlns:a="http://schemas.openxmlformats.org/drawingml/2006/main" xmlns:r="http://schemas.openxmlformats.org/officeDocument/2006/relationships" xmlns:p="http://schemas.openxmlformats.org/presentationml/2006/main">
+  <p:cSld>
+    <p:spTree>
+      <p:nvGrpSpPr>
+        <p:cNvPr id="1" name=""/>
+        <p:cNvGrpSpPr/>
+        <p:nvPr/>
+      </p:nvGrpSpPr>
+      <p:grpSpPr>
+        <a:xfrm>
+          <a:off x="0" y="0"/>
+          <a:ext cx="0" cy="0"/>
+          <a:chOff x="0" y="0"/>
+          <a:chExt cx="0" cy="0"/>
+        </a:xfrm>
+      </p:grpSpPr>
+      <p:pic>
+        <p:nvPicPr>
+          <p:cNvPr id="2" name="圖片 1"/>
+          <p:cNvPicPr>
+            <a:picLocks noChangeAspect="1"/>
+          </p:cNvPicPr>
+          <p:nvPr/>
+        </p:nvPicPr>
+        <p:blipFill>
+          <a:blip r:embed="rId2"/>
+          <a:stretch>
+            <a:fillRect/>
+          </a:stretch>
+        </p:blipFill>
+        <p:spPr>
+          <a:xfrm>
+            <a:off x="0" y="622396"/>
+            <a:ext cx="10287000" cy="20883387"/>
+          </a:xfrm>
+          <a:prstGeom prst="rect">
+            <a:avLst/>
+          </a:prstGeom>
+        </p:spPr>
+      </p:pic>
+    </p:spTree>
+    <p:extLst>
+      <p:ext uri="{BB962C8B-B14F-4D97-AF65-F5344CB8AC3E}">
+        <p14:creationId xmlns:p14="http://schemas.microsoft.com/office/powerpoint/2010/main" val="3614257379"/>
+      </p:ext>
+    </p:extLst>
+  </p:cSld>
+  <p:clrMapOvr>
+    <a:masterClrMapping/>
+  </p:clrMapOvr>
+</p:sld>
+</file>
+
+<file path=ppt/slides/slide20.xml><?xml version="1.0" encoding="utf-8"?>
 <p:sld xmlns:a="http://schemas.openxmlformats.org/drawingml/2006/main" xmlns:r="http://schemas.openxmlformats.org/officeDocument/2006/relationships" xmlns:p="http://schemas.openxmlformats.org/presentationml/2006/main">
   <p:cSld>
     <p:spTree>
@@ -26200,61 +27010,7 @@
 </p:sld>
 </file>
 
-<file path=ppt/slides/slide2.xml><?xml version="1.0" encoding="utf-8"?>
-<p:sld xmlns:a="http://schemas.openxmlformats.org/drawingml/2006/main" xmlns:r="http://schemas.openxmlformats.org/officeDocument/2006/relationships" xmlns:p="http://schemas.openxmlformats.org/presentationml/2006/main">
-  <p:cSld>
-    <p:spTree>
-      <p:nvGrpSpPr>
-        <p:cNvPr id="1" name=""/>
-        <p:cNvGrpSpPr/>
-        <p:nvPr/>
-      </p:nvGrpSpPr>
-      <p:grpSpPr>
-        <a:xfrm>
-          <a:off x="0" y="0"/>
-          <a:ext cx="0" cy="0"/>
-          <a:chOff x="0" y="0"/>
-          <a:chExt cx="0" cy="0"/>
-        </a:xfrm>
-      </p:grpSpPr>
-      <p:pic>
-        <p:nvPicPr>
-          <p:cNvPr id="2" name="圖片 1"/>
-          <p:cNvPicPr>
-            <a:picLocks noChangeAspect="1"/>
-          </p:cNvPicPr>
-          <p:nvPr/>
-        </p:nvPicPr>
-        <p:blipFill>
-          <a:blip r:embed="rId2"/>
-          <a:stretch>
-            <a:fillRect/>
-          </a:stretch>
-        </p:blipFill>
-        <p:spPr>
-          <a:xfrm>
-            <a:off x="0" y="622396"/>
-            <a:ext cx="10287000" cy="20883387"/>
-          </a:xfrm>
-          <a:prstGeom prst="rect">
-            <a:avLst/>
-          </a:prstGeom>
-        </p:spPr>
-      </p:pic>
-    </p:spTree>
-    <p:extLst>
-      <p:ext uri="{BB962C8B-B14F-4D97-AF65-F5344CB8AC3E}">
-        <p14:creationId xmlns:p14="http://schemas.microsoft.com/office/powerpoint/2010/main" val="3614257379"/>
-      </p:ext>
-    </p:extLst>
-  </p:cSld>
-  <p:clrMapOvr>
-    <a:masterClrMapping/>
-  </p:clrMapOvr>
-</p:sld>
-</file>
-
-<file path=ppt/slides/slide20.xml><?xml version="1.0" encoding="utf-8"?>
+<file path=ppt/slides/slide21.xml><?xml version="1.0" encoding="utf-8"?>
 <p:sld xmlns:a="http://schemas.openxmlformats.org/drawingml/2006/main" xmlns:r="http://schemas.openxmlformats.org/officeDocument/2006/relationships" xmlns:p="http://schemas.openxmlformats.org/presentationml/2006/main">
   <p:cSld>
     <p:spTree>
